--- a/Proyecto final.pptx
+++ b/Proyecto final.pptx
@@ -1,42 +1,41 @@
 
 <file path=ppt/presentation.xml><?xml version="1.0" encoding="utf-8"?>
-<p:presentation xmlns:a="http://schemas.openxmlformats.org/drawingml/2006/main" xmlns:r="http://schemas.openxmlformats.org/officeDocument/2006/relationships" xmlns:mc="http://schemas.openxmlformats.org/markup-compatibility/2006" xmlns:mv="urn:schemas-microsoft-com:mac:vml" xmlns:p="http://schemas.openxmlformats.org/presentationml/2006/main" xmlns:c="http://schemas.openxmlformats.org/drawingml/2006/chart" xmlns:dgm="http://schemas.openxmlformats.org/drawingml/2006/diagram" xmlns:o="urn:schemas-microsoft-com:office:office" xmlns:v="urn:schemas-microsoft-com:vml" xmlns:pvml="urn:schemas-microsoft-com:office:powerpoint" xmlns:com="http://schemas.openxmlformats.org/drawingml/2006/compatibility" xmlns:p14="http://schemas.microsoft.com/office/powerpoint/2010/main" autoCompressPictures="0" embedTrueTypeFonts="1" strictFirstAndLastChars="0" saveSubsetFonts="1">
+<p:presentation xmlns:a="http://schemas.openxmlformats.org/drawingml/2006/main" xmlns:r="http://schemas.openxmlformats.org/officeDocument/2006/relationships" xmlns:p="http://schemas.openxmlformats.org/presentationml/2006/main" strictFirstAndLastChars="0" embedTrueTypeFonts="1" saveSubsetFonts="1" autoCompressPictures="0">
   <p:sldMasterIdLst>
-    <p:sldMasterId id="2147483659" r:id="rId3"/>
+    <p:sldMasterId id="2147483659" r:id="rId1"/>
   </p:sldMasterIdLst>
   <p:notesMasterIdLst>
-    <p:notesMasterId r:id="rId4"/>
+    <p:notesMasterId r:id="rId9"/>
   </p:notesMasterIdLst>
   <p:sldIdLst>
-    <p:sldId id="256" r:id="rId5"/>
-    <p:sldId id="257" r:id="rId6"/>
-    <p:sldId id="258" r:id="rId7"/>
-    <p:sldId id="259" r:id="rId8"/>
-    <p:sldId id="260" r:id="rId9"/>
-    <p:sldId id="261" r:id="rId10"/>
-    <p:sldId id="262" r:id="rId11"/>
-    <p:sldId id="263" r:id="rId12"/>
+    <p:sldId id="256" r:id="rId2"/>
+    <p:sldId id="257" r:id="rId3"/>
+    <p:sldId id="258" r:id="rId4"/>
+    <p:sldId id="259" r:id="rId5"/>
+    <p:sldId id="260" r:id="rId6"/>
+    <p:sldId id="261" r:id="rId7"/>
+    <p:sldId id="263" r:id="rId8"/>
   </p:sldIdLst>
-  <p:sldSz cy="5143500" cx="9144000"/>
+  <p:sldSz cx="9144000" cy="5143500" type="screen16x9"/>
   <p:notesSz cx="6858000" cy="9144000"/>
   <p:embeddedFontLst>
     <p:embeddedFont>
-      <p:font typeface="Raleway"/>
-      <p:regular r:id="rId13"/>
-      <p:bold r:id="rId14"/>
-      <p:italic r:id="rId15"/>
-      <p:boldItalic r:id="rId16"/>
+      <p:font typeface="Raleway" panose="020B0604020202020204" charset="0"/>
+      <p:regular r:id="rId10"/>
+      <p:bold r:id="rId11"/>
+      <p:italic r:id="rId12"/>
+      <p:boldItalic r:id="rId13"/>
     </p:embeddedFont>
     <p:embeddedFont>
-      <p:font typeface="Lato"/>
-      <p:regular r:id="rId17"/>
-      <p:bold r:id="rId18"/>
-      <p:italic r:id="rId19"/>
-      <p:boldItalic r:id="rId20"/>
+      <p:font typeface="Lato" panose="020B0604020202020204" charset="0"/>
+      <p:regular r:id="rId14"/>
+      <p:bold r:id="rId15"/>
+      <p:italic r:id="rId16"/>
+      <p:boldItalic r:id="rId17"/>
     </p:embeddedFont>
   </p:embeddedFontLst>
   <p:defaultTextStyle>
-    <a:defPPr lvl="0" marR="0" rtl="0" algn="l">
+    <a:defPPr marR="0" lvl="0" algn="l" rtl="0">
       <a:lnSpc>
         <a:spcPct val="100000"/>
       </a:lnSpc>
@@ -47,7 +46,7 @@
         <a:spcPts val="0"/>
       </a:spcAft>
     </a:defPPr>
-    <a:lvl1pPr lvl="0" marR="0" rtl="0" algn="l">
+    <a:lvl1pPr marR="0" lvl="0" algn="l" rtl="0">
       <a:lnSpc>
         <a:spcPct val="100000"/>
       </a:lnSpc>
@@ -58,7 +57,7 @@
         <a:spcPts val="0"/>
       </a:spcAft>
       <a:buNone/>
-      <a:defRPr b="0" i="0" sz="1400" u="none" cap="none" strike="noStrike">
+      <a:defRPr sz="1400" b="0" i="0" u="none" strike="noStrike" cap="none">
         <a:solidFill>
           <a:srgbClr val="000000"/>
         </a:solidFill>
@@ -68,7 +67,7 @@
         <a:sym typeface="Arial"/>
       </a:defRPr>
     </a:lvl1pPr>
-    <a:lvl2pPr lvl="1" marR="0" rtl="0" algn="l">
+    <a:lvl2pPr marR="0" lvl="1" algn="l" rtl="0">
       <a:lnSpc>
         <a:spcPct val="100000"/>
       </a:lnSpc>
@@ -79,7 +78,7 @@
         <a:spcPts val="0"/>
       </a:spcAft>
       <a:buNone/>
-      <a:defRPr b="0" i="0" sz="1400" u="none" cap="none" strike="noStrike">
+      <a:defRPr sz="1400" b="0" i="0" u="none" strike="noStrike" cap="none">
         <a:solidFill>
           <a:srgbClr val="000000"/>
         </a:solidFill>
@@ -89,7 +88,7 @@
         <a:sym typeface="Arial"/>
       </a:defRPr>
     </a:lvl2pPr>
-    <a:lvl3pPr lvl="2" marR="0" rtl="0" algn="l">
+    <a:lvl3pPr marR="0" lvl="2" algn="l" rtl="0">
       <a:lnSpc>
         <a:spcPct val="100000"/>
       </a:lnSpc>
@@ -100,7 +99,7 @@
         <a:spcPts val="0"/>
       </a:spcAft>
       <a:buNone/>
-      <a:defRPr b="0" i="0" sz="1400" u="none" cap="none" strike="noStrike">
+      <a:defRPr sz="1400" b="0" i="0" u="none" strike="noStrike" cap="none">
         <a:solidFill>
           <a:srgbClr val="000000"/>
         </a:solidFill>
@@ -110,7 +109,7 @@
         <a:sym typeface="Arial"/>
       </a:defRPr>
     </a:lvl3pPr>
-    <a:lvl4pPr lvl="3" marR="0" rtl="0" algn="l">
+    <a:lvl4pPr marR="0" lvl="3" algn="l" rtl="0">
       <a:lnSpc>
         <a:spcPct val="100000"/>
       </a:lnSpc>
@@ -121,7 +120,7 @@
         <a:spcPts val="0"/>
       </a:spcAft>
       <a:buNone/>
-      <a:defRPr b="0" i="0" sz="1400" u="none" cap="none" strike="noStrike">
+      <a:defRPr sz="1400" b="0" i="0" u="none" strike="noStrike" cap="none">
         <a:solidFill>
           <a:srgbClr val="000000"/>
         </a:solidFill>
@@ -131,7 +130,7 @@
         <a:sym typeface="Arial"/>
       </a:defRPr>
     </a:lvl4pPr>
-    <a:lvl5pPr lvl="4" marR="0" rtl="0" algn="l">
+    <a:lvl5pPr marR="0" lvl="4" algn="l" rtl="0">
       <a:lnSpc>
         <a:spcPct val="100000"/>
       </a:lnSpc>
@@ -142,7 +141,7 @@
         <a:spcPts val="0"/>
       </a:spcAft>
       <a:buNone/>
-      <a:defRPr b="0" i="0" sz="1400" u="none" cap="none" strike="noStrike">
+      <a:defRPr sz="1400" b="0" i="0" u="none" strike="noStrike" cap="none">
         <a:solidFill>
           <a:srgbClr val="000000"/>
         </a:solidFill>
@@ -152,7 +151,7 @@
         <a:sym typeface="Arial"/>
       </a:defRPr>
     </a:lvl5pPr>
-    <a:lvl6pPr lvl="5" marR="0" rtl="0" algn="l">
+    <a:lvl6pPr marR="0" lvl="5" algn="l" rtl="0">
       <a:lnSpc>
         <a:spcPct val="100000"/>
       </a:lnSpc>
@@ -163,7 +162,7 @@
         <a:spcPts val="0"/>
       </a:spcAft>
       <a:buNone/>
-      <a:defRPr b="0" i="0" sz="1400" u="none" cap="none" strike="noStrike">
+      <a:defRPr sz="1400" b="0" i="0" u="none" strike="noStrike" cap="none">
         <a:solidFill>
           <a:srgbClr val="000000"/>
         </a:solidFill>
@@ -173,7 +172,7 @@
         <a:sym typeface="Arial"/>
       </a:defRPr>
     </a:lvl6pPr>
-    <a:lvl7pPr lvl="6" marR="0" rtl="0" algn="l">
+    <a:lvl7pPr marR="0" lvl="6" algn="l" rtl="0">
       <a:lnSpc>
         <a:spcPct val="100000"/>
       </a:lnSpc>
@@ -184,7 +183,7 @@
         <a:spcPts val="0"/>
       </a:spcAft>
       <a:buNone/>
-      <a:defRPr b="0" i="0" sz="1400" u="none" cap="none" strike="noStrike">
+      <a:defRPr sz="1400" b="0" i="0" u="none" strike="noStrike" cap="none">
         <a:solidFill>
           <a:srgbClr val="000000"/>
         </a:solidFill>
@@ -194,7 +193,7 @@
         <a:sym typeface="Arial"/>
       </a:defRPr>
     </a:lvl7pPr>
-    <a:lvl8pPr lvl="7" marR="0" rtl="0" algn="l">
+    <a:lvl8pPr marR="0" lvl="7" algn="l" rtl="0">
       <a:lnSpc>
         <a:spcPct val="100000"/>
       </a:lnSpc>
@@ -205,7 +204,7 @@
         <a:spcPts val="0"/>
       </a:spcAft>
       <a:buNone/>
-      <a:defRPr b="0" i="0" sz="1400" u="none" cap="none" strike="noStrike">
+      <a:defRPr sz="1400" b="0" i="0" u="none" strike="noStrike" cap="none">
         <a:solidFill>
           <a:srgbClr val="000000"/>
         </a:solidFill>
@@ -215,7 +214,7 @@
         <a:sym typeface="Arial"/>
       </a:defRPr>
     </a:lvl8pPr>
-    <a:lvl9pPr lvl="8" marR="0" rtl="0" algn="l">
+    <a:lvl9pPr marR="0" lvl="8" algn="l" rtl="0">
       <a:lnSpc>
         <a:spcPct val="100000"/>
       </a:lnSpc>
@@ -226,7 +225,7 @@
         <a:spcPts val="0"/>
       </a:spcAft>
       <a:buNone/>
-      <a:defRPr b="0" i="0" sz="1400" u="none" cap="none" strike="noStrike">
+      <a:defRPr sz="1400" b="0" i="0" u="none" strike="noStrike" cap="none">
         <a:solidFill>
           <a:srgbClr val="000000"/>
         </a:solidFill>
@@ -241,11 +240,16 @@
 </file>
 
 <file path=ppt/notesMasters/notesMaster1.xml><?xml version="1.0" encoding="utf-8"?>
-<p:notesMaster xmlns:a="http://schemas.openxmlformats.org/drawingml/2006/main" xmlns:r="http://schemas.openxmlformats.org/officeDocument/2006/relationships" xmlns:mc="http://schemas.openxmlformats.org/markup-compatibility/2006" xmlns:mv="urn:schemas-microsoft-com:mac:vml" xmlns:p="http://schemas.openxmlformats.org/presentationml/2006/main" xmlns:c="http://schemas.openxmlformats.org/drawingml/2006/chart" xmlns:dgm="http://schemas.openxmlformats.org/drawingml/2006/diagram" xmlns:o="urn:schemas-microsoft-com:office:office" xmlns:v="urn:schemas-microsoft-com:vml" xmlns:pvml="urn:schemas-microsoft-com:office:powerpoint" xmlns:com="http://schemas.openxmlformats.org/drawingml/2006/compatibility" xmlns:p14="http://schemas.microsoft.com/office/powerpoint/2010/main">
+<p:notesMaster xmlns:a="http://schemas.openxmlformats.org/drawingml/2006/main" xmlns:r="http://schemas.openxmlformats.org/officeDocument/2006/relationships" xmlns:p="http://schemas.openxmlformats.org/presentationml/2006/main">
   <p:cSld>
+    <p:bg>
+      <p:bgRef idx="1001">
+        <a:schemeClr val="bg1"/>
+      </p:bgRef>
+    </p:bg>
     <p:spTree>
       <p:nvGrpSpPr>
-        <p:cNvPr id="2" name="Shape 2"/>
+        <p:cNvPr id="1" name="Shape 2"/>
         <p:cNvGrpSpPr/>
         <p:nvPr/>
       </p:nvGrpSpPr>
@@ -260,9 +264,11 @@
       <p:sp>
         <p:nvSpPr>
           <p:cNvPr id="3" name="Shape 3"/>
-          <p:cNvSpPr/>
+          <p:cNvSpPr>
+            <a:spLocks noGrp="1" noRot="1" noChangeAspect="1"/>
+          </p:cNvSpPr>
           <p:nvPr>
-            <p:ph idx="2" type="sldImg"/>
+            <p:ph type="sldImg" idx="2"/>
           </p:nvPr>
         </p:nvSpPr>
         <p:spPr>
@@ -271,8 +277,13 @@
             <a:ext cx="6096075" cy="3429000"/>
           </a:xfrm>
           <a:custGeom>
+            <a:avLst/>
+            <a:gdLst/>
+            <a:ahLst/>
+            <a:cxnLst/>
+            <a:rect l="0" t="0" r="0" b="0"/>
             <a:pathLst>
-              <a:path extrusionOk="0" h="120000" w="120000">
+              <a:path w="120000" h="120000" extrusionOk="0">
                 <a:moveTo>
                   <a:pt x="0" y="0"/>
                 </a:moveTo>
@@ -290,23 +301,25 @@
             </a:pathLst>
           </a:custGeom>
           <a:noFill/>
-          <a:ln cap="flat" cmpd="sng" w="9525">
+          <a:ln w="9525" cap="flat" cmpd="sng">
             <a:solidFill>
               <a:srgbClr val="000000"/>
             </a:solidFill>
             <a:prstDash val="solid"/>
             <a:round/>
-            <a:headEnd len="med" w="med" type="none"/>
-            <a:tailEnd len="med" w="med" type="none"/>
+            <a:headEnd type="none" w="med" len="med"/>
+            <a:tailEnd type="none" w="med" len="med"/>
           </a:ln>
         </p:spPr>
       </p:sp>
       <p:sp>
         <p:nvSpPr>
           <p:cNvPr id="4" name="Shape 4"/>
-          <p:cNvSpPr txBox="1"/>
+          <p:cNvSpPr txBox="1">
+            <a:spLocks noGrp="1"/>
+          </p:cNvSpPr>
           <p:nvPr>
-            <p:ph idx="1" type="body"/>
+            <p:ph type="body" idx="1"/>
           </p:nvPr>
         </p:nvSpPr>
         <p:spPr>
@@ -323,7 +336,7 @@
           </a:ln>
         </p:spPr>
         <p:txBody>
-          <a:bodyPr anchorCtr="0" anchor="t" bIns="91425" lIns="91425" rIns="91425" tIns="91425"/>
+          <a:bodyPr lIns="91425" tIns="91425" rIns="91425" bIns="91425" anchor="t" anchorCtr="0"/>
           <a:lstStyle>
             <a:lvl1pPr lvl="0">
               <a:spcBef>
@@ -380,21 +393,120 @@
               <a:defRPr sz="1100"/>
             </a:lvl9pPr>
           </a:lstStyle>
-          <a:p/>
+          <a:p>
+            <a:endParaRPr/>
+          </a:p>
         </p:txBody>
       </p:sp>
     </p:spTree>
+    <p:extLst>
+      <p:ext uri="{BB962C8B-B14F-4D97-AF65-F5344CB8AC3E}">
+        <p14:creationId xmlns:p14="http://schemas.microsoft.com/office/powerpoint/2010/main" val="3813023139"/>
+      </p:ext>
+    </p:extLst>
   </p:cSld>
-  <p:clrMap accent1="accent1" accent2="accent2" accent3="accent3" accent4="accent4" accent5="accent5" accent6="accent6" bg1="lt1" bg2="dk2" tx1="dk1" tx2="lt2" folHlink="folHlink" hlink="hlink"/>
+  <p:clrMap bg1="lt1" tx1="dk1" bg2="dk2" tx2="lt2" accent1="accent1" accent2="accent2" accent3="accent3" accent4="accent4" accent5="accent5" accent6="accent6" hlink="hlink" folHlink="folHlink"/>
+  <p:notesStyle>
+    <a:lvl1pPr marL="0" algn="l" defTabSz="914400" rtl="0" eaLnBrk="1" latinLnBrk="0" hangingPunct="1">
+      <a:defRPr sz="1200" kern="1200">
+        <a:solidFill>
+          <a:schemeClr val="tx1"/>
+        </a:solidFill>
+        <a:latin typeface="+mn-lt"/>
+        <a:ea typeface="+mn-ea"/>
+        <a:cs typeface="+mn-cs"/>
+      </a:defRPr>
+    </a:lvl1pPr>
+    <a:lvl2pPr marL="457200" algn="l" defTabSz="914400" rtl="0" eaLnBrk="1" latinLnBrk="0" hangingPunct="1">
+      <a:defRPr sz="1200" kern="1200">
+        <a:solidFill>
+          <a:schemeClr val="tx1"/>
+        </a:solidFill>
+        <a:latin typeface="+mn-lt"/>
+        <a:ea typeface="+mn-ea"/>
+        <a:cs typeface="+mn-cs"/>
+      </a:defRPr>
+    </a:lvl2pPr>
+    <a:lvl3pPr marL="914400" algn="l" defTabSz="914400" rtl="0" eaLnBrk="1" latinLnBrk="0" hangingPunct="1">
+      <a:defRPr sz="1200" kern="1200">
+        <a:solidFill>
+          <a:schemeClr val="tx1"/>
+        </a:solidFill>
+        <a:latin typeface="+mn-lt"/>
+        <a:ea typeface="+mn-ea"/>
+        <a:cs typeface="+mn-cs"/>
+      </a:defRPr>
+    </a:lvl3pPr>
+    <a:lvl4pPr marL="1371600" algn="l" defTabSz="914400" rtl="0" eaLnBrk="1" latinLnBrk="0" hangingPunct="1">
+      <a:defRPr sz="1200" kern="1200">
+        <a:solidFill>
+          <a:schemeClr val="tx1"/>
+        </a:solidFill>
+        <a:latin typeface="+mn-lt"/>
+        <a:ea typeface="+mn-ea"/>
+        <a:cs typeface="+mn-cs"/>
+      </a:defRPr>
+    </a:lvl4pPr>
+    <a:lvl5pPr marL="1828800" algn="l" defTabSz="914400" rtl="0" eaLnBrk="1" latinLnBrk="0" hangingPunct="1">
+      <a:defRPr sz="1200" kern="1200">
+        <a:solidFill>
+          <a:schemeClr val="tx1"/>
+        </a:solidFill>
+        <a:latin typeface="+mn-lt"/>
+        <a:ea typeface="+mn-ea"/>
+        <a:cs typeface="+mn-cs"/>
+      </a:defRPr>
+    </a:lvl5pPr>
+    <a:lvl6pPr marL="2286000" algn="l" defTabSz="914400" rtl="0" eaLnBrk="1" latinLnBrk="0" hangingPunct="1">
+      <a:defRPr sz="1200" kern="1200">
+        <a:solidFill>
+          <a:schemeClr val="tx1"/>
+        </a:solidFill>
+        <a:latin typeface="+mn-lt"/>
+        <a:ea typeface="+mn-ea"/>
+        <a:cs typeface="+mn-cs"/>
+      </a:defRPr>
+    </a:lvl6pPr>
+    <a:lvl7pPr marL="2743200" algn="l" defTabSz="914400" rtl="0" eaLnBrk="1" latinLnBrk="0" hangingPunct="1">
+      <a:defRPr sz="1200" kern="1200">
+        <a:solidFill>
+          <a:schemeClr val="tx1"/>
+        </a:solidFill>
+        <a:latin typeface="+mn-lt"/>
+        <a:ea typeface="+mn-ea"/>
+        <a:cs typeface="+mn-cs"/>
+      </a:defRPr>
+    </a:lvl7pPr>
+    <a:lvl8pPr marL="3200400" algn="l" defTabSz="914400" rtl="0" eaLnBrk="1" latinLnBrk="0" hangingPunct="1">
+      <a:defRPr sz="1200" kern="1200">
+        <a:solidFill>
+          <a:schemeClr val="tx1"/>
+        </a:solidFill>
+        <a:latin typeface="+mn-lt"/>
+        <a:ea typeface="+mn-ea"/>
+        <a:cs typeface="+mn-cs"/>
+      </a:defRPr>
+    </a:lvl8pPr>
+    <a:lvl9pPr marL="3657600" algn="l" defTabSz="914400" rtl="0" eaLnBrk="1" latinLnBrk="0" hangingPunct="1">
+      <a:defRPr sz="1200" kern="1200">
+        <a:solidFill>
+          <a:schemeClr val="tx1"/>
+        </a:solidFill>
+        <a:latin typeface="+mn-lt"/>
+        <a:ea typeface="+mn-ea"/>
+        <a:cs typeface="+mn-cs"/>
+      </a:defRPr>
+    </a:lvl9pPr>
+  </p:notesStyle>
 </p:notesMaster>
 </file>
 
 <file path=ppt/notesSlides/notesSlide1.xml><?xml version="1.0" encoding="utf-8"?>
-<p:notes xmlns:a="http://schemas.openxmlformats.org/drawingml/2006/main" xmlns:r="http://schemas.openxmlformats.org/officeDocument/2006/relationships" xmlns:mc="http://schemas.openxmlformats.org/markup-compatibility/2006" xmlns:mv="urn:schemas-microsoft-com:mac:vml" xmlns:p="http://schemas.openxmlformats.org/presentationml/2006/main" xmlns:c="http://schemas.openxmlformats.org/drawingml/2006/chart" xmlns:dgm="http://schemas.openxmlformats.org/drawingml/2006/diagram" xmlns:o="urn:schemas-microsoft-com:office:office" xmlns:v="urn:schemas-microsoft-com:vml" xmlns:pvml="urn:schemas-microsoft-com:office:powerpoint" xmlns:com="http://schemas.openxmlformats.org/drawingml/2006/compatibility" xmlns:p14="http://schemas.microsoft.com/office/powerpoint/2010/main" showMasterPhAnim="0" showMasterSp="0">
+<p:notes xmlns:a="http://schemas.openxmlformats.org/drawingml/2006/main" xmlns:r="http://schemas.openxmlformats.org/officeDocument/2006/relationships" xmlns:p="http://schemas.openxmlformats.org/presentationml/2006/main" showMasterSp="0" showMasterPhAnim="0">
   <p:cSld>
     <p:spTree>
       <p:nvGrpSpPr>
-        <p:cNvPr id="68" name="Shape 68"/>
+        <p:cNvPr id="1" name="Shape 68"/>
         <p:cNvGrpSpPr/>
         <p:nvPr/>
       </p:nvGrpSpPr>
@@ -409,19 +521,26 @@
       <p:sp>
         <p:nvSpPr>
           <p:cNvPr id="69" name="Shape 69"/>
-          <p:cNvSpPr/>
+          <p:cNvSpPr>
+            <a:spLocks noGrp="1" noRot="1" noChangeAspect="1"/>
+          </p:cNvSpPr>
           <p:nvPr>
-            <p:ph idx="2" type="sldImg"/>
+            <p:ph type="sldImg" idx="2"/>
           </p:nvPr>
         </p:nvSpPr>
         <p:spPr>
           <a:xfrm>
-            <a:off x="381300" y="685800"/>
-            <a:ext cx="6096075" cy="3429000"/>
+            <a:off x="381000" y="685800"/>
+            <a:ext cx="6096000" cy="3429000"/>
           </a:xfrm>
           <a:custGeom>
+            <a:avLst/>
+            <a:gdLst/>
+            <a:ahLst/>
+            <a:cxnLst/>
+            <a:rect l="0" t="0" r="0" b="0"/>
             <a:pathLst>
-              <a:path extrusionOk="0" h="120000" w="120000">
+              <a:path w="120000" h="120000" extrusionOk="0">
                 <a:moveTo>
                   <a:pt x="0" y="0"/>
                 </a:moveTo>
@@ -443,9 +562,11 @@
       <p:sp>
         <p:nvSpPr>
           <p:cNvPr id="70" name="Shape 70"/>
-          <p:cNvSpPr txBox="1"/>
+          <p:cNvSpPr txBox="1">
+            <a:spLocks noGrp="1"/>
+          </p:cNvSpPr>
           <p:nvPr>
-            <p:ph idx="1" type="body"/>
+            <p:ph type="body" idx="1"/>
           </p:nvPr>
         </p:nvSpPr>
         <p:spPr>
@@ -458,7 +579,7 @@
           </a:prstGeom>
         </p:spPr>
         <p:txBody>
-          <a:bodyPr anchorCtr="0" anchor="t" bIns="91425" lIns="91425" rIns="91425" tIns="91425">
+          <a:bodyPr lIns="91425" tIns="91425" rIns="91425" bIns="91425" anchor="t" anchorCtr="0">
             <a:noAutofit/>
           </a:bodyPr>
           <a:lstStyle/>
@@ -469,9 +590,6 @@
               </a:spcBef>
               <a:buNone/>
             </a:pPr>
-            <a:r>
-              <a:t/>
-            </a:r>
             <a:endParaRPr/>
           </a:p>
         </p:txBody>
@@ -485,11 +603,11 @@
 </file>
 
 <file path=ppt/notesSlides/notesSlide2.xml><?xml version="1.0" encoding="utf-8"?>
-<p:notes xmlns:a="http://schemas.openxmlformats.org/drawingml/2006/main" xmlns:r="http://schemas.openxmlformats.org/officeDocument/2006/relationships" xmlns:mc="http://schemas.openxmlformats.org/markup-compatibility/2006" xmlns:mv="urn:schemas-microsoft-com:mac:vml" xmlns:p="http://schemas.openxmlformats.org/presentationml/2006/main" xmlns:c="http://schemas.openxmlformats.org/drawingml/2006/chart" xmlns:dgm="http://schemas.openxmlformats.org/drawingml/2006/diagram" xmlns:o="urn:schemas-microsoft-com:office:office" xmlns:v="urn:schemas-microsoft-com:vml" xmlns:pvml="urn:schemas-microsoft-com:office:powerpoint" xmlns:com="http://schemas.openxmlformats.org/drawingml/2006/compatibility" xmlns:p14="http://schemas.microsoft.com/office/powerpoint/2010/main" showMasterPhAnim="0" showMasterSp="0">
+<p:notes xmlns:a="http://schemas.openxmlformats.org/drawingml/2006/main" xmlns:r="http://schemas.openxmlformats.org/officeDocument/2006/relationships" xmlns:p="http://schemas.openxmlformats.org/presentationml/2006/main" showMasterSp="0" showMasterPhAnim="0">
   <p:cSld>
     <p:spTree>
       <p:nvGrpSpPr>
-        <p:cNvPr id="75" name="Shape 75"/>
+        <p:cNvPr id="1" name="Shape 75"/>
         <p:cNvGrpSpPr/>
         <p:nvPr/>
       </p:nvGrpSpPr>
@@ -504,19 +622,26 @@
       <p:sp>
         <p:nvSpPr>
           <p:cNvPr id="76" name="Shape 76"/>
-          <p:cNvSpPr/>
+          <p:cNvSpPr>
+            <a:spLocks noGrp="1" noRot="1" noChangeAspect="1"/>
+          </p:cNvSpPr>
           <p:nvPr>
-            <p:ph idx="2" type="sldImg"/>
+            <p:ph type="sldImg" idx="2"/>
           </p:nvPr>
         </p:nvSpPr>
         <p:spPr>
           <a:xfrm>
-            <a:off x="381300" y="685800"/>
+            <a:off x="381000" y="685800"/>
             <a:ext cx="6096000" cy="3429000"/>
           </a:xfrm>
           <a:custGeom>
+            <a:avLst/>
+            <a:gdLst/>
+            <a:ahLst/>
+            <a:cxnLst/>
+            <a:rect l="0" t="0" r="0" b="0"/>
             <a:pathLst>
-              <a:path extrusionOk="0" h="120000" w="120000">
+              <a:path w="120000" h="120000" extrusionOk="0">
                 <a:moveTo>
                   <a:pt x="0" y="0"/>
                 </a:moveTo>
@@ -538,9 +663,11 @@
       <p:sp>
         <p:nvSpPr>
           <p:cNvPr id="77" name="Shape 77"/>
-          <p:cNvSpPr txBox="1"/>
+          <p:cNvSpPr txBox="1">
+            <a:spLocks noGrp="1"/>
+          </p:cNvSpPr>
           <p:nvPr>
-            <p:ph idx="1" type="body"/>
+            <p:ph type="body" idx="1"/>
           </p:nvPr>
         </p:nvSpPr>
         <p:spPr>
@@ -553,7 +680,7 @@
           </a:prstGeom>
         </p:spPr>
         <p:txBody>
-          <a:bodyPr anchorCtr="0" anchor="t" bIns="91425" lIns="91425" rIns="91425" tIns="91425">
+          <a:bodyPr lIns="91425" tIns="91425" rIns="91425" bIns="91425" anchor="t" anchorCtr="0">
             <a:noAutofit/>
           </a:bodyPr>
           <a:lstStyle/>
@@ -564,9 +691,6 @@
               </a:spcBef>
               <a:buNone/>
             </a:pPr>
-            <a:r>
-              <a:t/>
-            </a:r>
             <a:endParaRPr/>
           </a:p>
         </p:txBody>
@@ -580,11 +704,11 @@
 </file>
 
 <file path=ppt/notesSlides/notesSlide3.xml><?xml version="1.0" encoding="utf-8"?>
-<p:notes xmlns:a="http://schemas.openxmlformats.org/drawingml/2006/main" xmlns:r="http://schemas.openxmlformats.org/officeDocument/2006/relationships" xmlns:mc="http://schemas.openxmlformats.org/markup-compatibility/2006" xmlns:mv="urn:schemas-microsoft-com:mac:vml" xmlns:p="http://schemas.openxmlformats.org/presentationml/2006/main" xmlns:c="http://schemas.openxmlformats.org/drawingml/2006/chart" xmlns:dgm="http://schemas.openxmlformats.org/drawingml/2006/diagram" xmlns:o="urn:schemas-microsoft-com:office:office" xmlns:v="urn:schemas-microsoft-com:vml" xmlns:pvml="urn:schemas-microsoft-com:office:powerpoint" xmlns:com="http://schemas.openxmlformats.org/drawingml/2006/compatibility" xmlns:p14="http://schemas.microsoft.com/office/powerpoint/2010/main" showMasterPhAnim="0" showMasterSp="0">
+<p:notes xmlns:a="http://schemas.openxmlformats.org/drawingml/2006/main" xmlns:r="http://schemas.openxmlformats.org/officeDocument/2006/relationships" xmlns:p="http://schemas.openxmlformats.org/presentationml/2006/main" showMasterSp="0" showMasterPhAnim="0">
   <p:cSld>
     <p:spTree>
       <p:nvGrpSpPr>
-        <p:cNvPr id="81" name="Shape 81"/>
+        <p:cNvPr id="1" name="Shape 81"/>
         <p:cNvGrpSpPr/>
         <p:nvPr/>
       </p:nvGrpSpPr>
@@ -599,19 +723,26 @@
       <p:sp>
         <p:nvSpPr>
           <p:cNvPr id="82" name="Shape 82"/>
-          <p:cNvSpPr/>
+          <p:cNvSpPr>
+            <a:spLocks noGrp="1" noRot="1" noChangeAspect="1"/>
+          </p:cNvSpPr>
           <p:nvPr>
-            <p:ph idx="2" type="sldImg"/>
+            <p:ph type="sldImg" idx="2"/>
           </p:nvPr>
         </p:nvSpPr>
         <p:spPr>
           <a:xfrm>
-            <a:off x="381300" y="685800"/>
+            <a:off x="381000" y="685800"/>
             <a:ext cx="6096000" cy="3429000"/>
           </a:xfrm>
           <a:custGeom>
+            <a:avLst/>
+            <a:gdLst/>
+            <a:ahLst/>
+            <a:cxnLst/>
+            <a:rect l="0" t="0" r="0" b="0"/>
             <a:pathLst>
-              <a:path extrusionOk="0" h="120000" w="120000">
+              <a:path w="120000" h="120000" extrusionOk="0">
                 <a:moveTo>
                   <a:pt x="0" y="0"/>
                 </a:moveTo>
@@ -633,9 +764,11 @@
       <p:sp>
         <p:nvSpPr>
           <p:cNvPr id="83" name="Shape 83"/>
-          <p:cNvSpPr txBox="1"/>
+          <p:cNvSpPr txBox="1">
+            <a:spLocks noGrp="1"/>
+          </p:cNvSpPr>
           <p:nvPr>
-            <p:ph idx="1" type="body"/>
+            <p:ph type="body" idx="1"/>
           </p:nvPr>
         </p:nvSpPr>
         <p:spPr>
@@ -648,7 +781,7 @@
           </a:prstGeom>
         </p:spPr>
         <p:txBody>
-          <a:bodyPr anchorCtr="0" anchor="t" bIns="91425" lIns="91425" rIns="91425" tIns="91425">
+          <a:bodyPr lIns="91425" tIns="91425" rIns="91425" bIns="91425" anchor="t" anchorCtr="0">
             <a:noAutofit/>
           </a:bodyPr>
           <a:lstStyle/>
@@ -659,9 +792,6 @@
               </a:spcBef>
               <a:buNone/>
             </a:pPr>
-            <a:r>
-              <a:t/>
-            </a:r>
             <a:endParaRPr/>
           </a:p>
         </p:txBody>
@@ -675,11 +805,11 @@
 </file>
 
 <file path=ppt/notesSlides/notesSlide4.xml><?xml version="1.0" encoding="utf-8"?>
-<p:notes xmlns:a="http://schemas.openxmlformats.org/drawingml/2006/main" xmlns:r="http://schemas.openxmlformats.org/officeDocument/2006/relationships" xmlns:mc="http://schemas.openxmlformats.org/markup-compatibility/2006" xmlns:mv="urn:schemas-microsoft-com:mac:vml" xmlns:p="http://schemas.openxmlformats.org/presentationml/2006/main" xmlns:c="http://schemas.openxmlformats.org/drawingml/2006/chart" xmlns:dgm="http://schemas.openxmlformats.org/drawingml/2006/diagram" xmlns:o="urn:schemas-microsoft-com:office:office" xmlns:v="urn:schemas-microsoft-com:vml" xmlns:pvml="urn:schemas-microsoft-com:office:powerpoint" xmlns:com="http://schemas.openxmlformats.org/drawingml/2006/compatibility" xmlns:p14="http://schemas.microsoft.com/office/powerpoint/2010/main" showMasterPhAnim="0" showMasterSp="0">
+<p:notes xmlns:a="http://schemas.openxmlformats.org/drawingml/2006/main" xmlns:r="http://schemas.openxmlformats.org/officeDocument/2006/relationships" xmlns:p="http://schemas.openxmlformats.org/presentationml/2006/main" showMasterSp="0" showMasterPhAnim="0">
   <p:cSld>
     <p:spTree>
       <p:nvGrpSpPr>
-        <p:cNvPr id="87" name="Shape 87"/>
+        <p:cNvPr id="1" name="Shape 87"/>
         <p:cNvGrpSpPr/>
         <p:nvPr/>
       </p:nvGrpSpPr>
@@ -694,19 +824,26 @@
       <p:sp>
         <p:nvSpPr>
           <p:cNvPr id="88" name="Shape 88"/>
-          <p:cNvSpPr/>
+          <p:cNvSpPr>
+            <a:spLocks noGrp="1" noRot="1" noChangeAspect="1"/>
+          </p:cNvSpPr>
           <p:nvPr>
-            <p:ph idx="2" type="sldImg"/>
+            <p:ph type="sldImg" idx="2"/>
           </p:nvPr>
         </p:nvSpPr>
         <p:spPr>
           <a:xfrm>
-            <a:off x="381300" y="685800"/>
+            <a:off x="381000" y="685800"/>
             <a:ext cx="6096000" cy="3429000"/>
           </a:xfrm>
           <a:custGeom>
+            <a:avLst/>
+            <a:gdLst/>
+            <a:ahLst/>
+            <a:cxnLst/>
+            <a:rect l="0" t="0" r="0" b="0"/>
             <a:pathLst>
-              <a:path extrusionOk="0" h="120000" w="120000">
+              <a:path w="120000" h="120000" extrusionOk="0">
                 <a:moveTo>
                   <a:pt x="0" y="0"/>
                 </a:moveTo>
@@ -728,9 +865,11 @@
       <p:sp>
         <p:nvSpPr>
           <p:cNvPr id="89" name="Shape 89"/>
-          <p:cNvSpPr txBox="1"/>
+          <p:cNvSpPr txBox="1">
+            <a:spLocks noGrp="1"/>
+          </p:cNvSpPr>
           <p:nvPr>
-            <p:ph idx="1" type="body"/>
+            <p:ph type="body" idx="1"/>
           </p:nvPr>
         </p:nvSpPr>
         <p:spPr>
@@ -743,7 +882,7 @@
           </a:prstGeom>
         </p:spPr>
         <p:txBody>
-          <a:bodyPr anchorCtr="0" anchor="t" bIns="91425" lIns="91425" rIns="91425" tIns="91425">
+          <a:bodyPr lIns="91425" tIns="91425" rIns="91425" bIns="91425" anchor="t" anchorCtr="0">
             <a:noAutofit/>
           </a:bodyPr>
           <a:lstStyle/>
@@ -754,9 +893,6 @@
               </a:spcBef>
               <a:buNone/>
             </a:pPr>
-            <a:r>
-              <a:t/>
-            </a:r>
             <a:endParaRPr/>
           </a:p>
         </p:txBody>
@@ -770,11 +906,11 @@
 </file>
 
 <file path=ppt/notesSlides/notesSlide5.xml><?xml version="1.0" encoding="utf-8"?>
-<p:notes xmlns:a="http://schemas.openxmlformats.org/drawingml/2006/main" xmlns:r="http://schemas.openxmlformats.org/officeDocument/2006/relationships" xmlns:mc="http://schemas.openxmlformats.org/markup-compatibility/2006" xmlns:mv="urn:schemas-microsoft-com:mac:vml" xmlns:p="http://schemas.openxmlformats.org/presentationml/2006/main" xmlns:c="http://schemas.openxmlformats.org/drawingml/2006/chart" xmlns:dgm="http://schemas.openxmlformats.org/drawingml/2006/diagram" xmlns:o="urn:schemas-microsoft-com:office:office" xmlns:v="urn:schemas-microsoft-com:vml" xmlns:pvml="urn:schemas-microsoft-com:office:powerpoint" xmlns:com="http://schemas.openxmlformats.org/drawingml/2006/compatibility" xmlns:p14="http://schemas.microsoft.com/office/powerpoint/2010/main" showMasterPhAnim="0" showMasterSp="0">
+<p:notes xmlns:a="http://schemas.openxmlformats.org/drawingml/2006/main" xmlns:r="http://schemas.openxmlformats.org/officeDocument/2006/relationships" xmlns:p="http://schemas.openxmlformats.org/presentationml/2006/main" showMasterSp="0" showMasterPhAnim="0">
   <p:cSld>
     <p:spTree>
       <p:nvGrpSpPr>
-        <p:cNvPr id="93" name="Shape 93"/>
+        <p:cNvPr id="1" name="Shape 93"/>
         <p:cNvGrpSpPr/>
         <p:nvPr/>
       </p:nvGrpSpPr>
@@ -789,19 +925,26 @@
       <p:sp>
         <p:nvSpPr>
           <p:cNvPr id="94" name="Shape 94"/>
-          <p:cNvSpPr/>
+          <p:cNvSpPr>
+            <a:spLocks noGrp="1" noRot="1" noChangeAspect="1"/>
+          </p:cNvSpPr>
           <p:nvPr>
-            <p:ph idx="2" type="sldImg"/>
+            <p:ph type="sldImg" idx="2"/>
           </p:nvPr>
         </p:nvSpPr>
         <p:spPr>
           <a:xfrm>
-            <a:off x="381300" y="685800"/>
+            <a:off x="381000" y="685800"/>
             <a:ext cx="6096000" cy="3429000"/>
           </a:xfrm>
           <a:custGeom>
+            <a:avLst/>
+            <a:gdLst/>
+            <a:ahLst/>
+            <a:cxnLst/>
+            <a:rect l="0" t="0" r="0" b="0"/>
             <a:pathLst>
-              <a:path extrusionOk="0" h="120000" w="120000">
+              <a:path w="120000" h="120000" extrusionOk="0">
                 <a:moveTo>
                   <a:pt x="0" y="0"/>
                 </a:moveTo>
@@ -823,9 +966,11 @@
       <p:sp>
         <p:nvSpPr>
           <p:cNvPr id="95" name="Shape 95"/>
-          <p:cNvSpPr txBox="1"/>
+          <p:cNvSpPr txBox="1">
+            <a:spLocks noGrp="1"/>
+          </p:cNvSpPr>
           <p:nvPr>
-            <p:ph idx="1" type="body"/>
+            <p:ph type="body" idx="1"/>
           </p:nvPr>
         </p:nvSpPr>
         <p:spPr>
@@ -838,7 +983,7 @@
           </a:prstGeom>
         </p:spPr>
         <p:txBody>
-          <a:bodyPr anchorCtr="0" anchor="t" bIns="91425" lIns="91425" rIns="91425" tIns="91425">
+          <a:bodyPr lIns="91425" tIns="91425" rIns="91425" bIns="91425" anchor="t" anchorCtr="0">
             <a:noAutofit/>
           </a:bodyPr>
           <a:lstStyle/>
@@ -849,9 +994,6 @@
               </a:spcBef>
               <a:buNone/>
             </a:pPr>
-            <a:r>
-              <a:t/>
-            </a:r>
             <a:endParaRPr/>
           </a:p>
         </p:txBody>
@@ -865,11 +1007,11 @@
 </file>
 
 <file path=ppt/notesSlides/notesSlide6.xml><?xml version="1.0" encoding="utf-8"?>
-<p:notes xmlns:a="http://schemas.openxmlformats.org/drawingml/2006/main" xmlns:r="http://schemas.openxmlformats.org/officeDocument/2006/relationships" xmlns:mc="http://schemas.openxmlformats.org/markup-compatibility/2006" xmlns:mv="urn:schemas-microsoft-com:mac:vml" xmlns:p="http://schemas.openxmlformats.org/presentationml/2006/main" xmlns:c="http://schemas.openxmlformats.org/drawingml/2006/chart" xmlns:dgm="http://schemas.openxmlformats.org/drawingml/2006/diagram" xmlns:o="urn:schemas-microsoft-com:office:office" xmlns:v="urn:schemas-microsoft-com:vml" xmlns:pvml="urn:schemas-microsoft-com:office:powerpoint" xmlns:com="http://schemas.openxmlformats.org/drawingml/2006/compatibility" xmlns:p14="http://schemas.microsoft.com/office/powerpoint/2010/main" showMasterPhAnim="0" showMasterSp="0">
+<p:notes xmlns:a="http://schemas.openxmlformats.org/drawingml/2006/main" xmlns:r="http://schemas.openxmlformats.org/officeDocument/2006/relationships" xmlns:p="http://schemas.openxmlformats.org/presentationml/2006/main" showMasterSp="0" showMasterPhAnim="0">
   <p:cSld>
     <p:spTree>
       <p:nvGrpSpPr>
-        <p:cNvPr id="99" name="Shape 99"/>
+        <p:cNvPr id="1" name="Shape 99"/>
         <p:cNvGrpSpPr/>
         <p:nvPr/>
       </p:nvGrpSpPr>
@@ -884,19 +1026,26 @@
       <p:sp>
         <p:nvSpPr>
           <p:cNvPr id="100" name="Shape 100"/>
-          <p:cNvSpPr/>
+          <p:cNvSpPr>
+            <a:spLocks noGrp="1" noRot="1" noChangeAspect="1"/>
+          </p:cNvSpPr>
           <p:nvPr>
-            <p:ph idx="2" type="sldImg"/>
+            <p:ph type="sldImg" idx="2"/>
           </p:nvPr>
         </p:nvSpPr>
         <p:spPr>
           <a:xfrm>
-            <a:off x="381300" y="685800"/>
+            <a:off x="381000" y="685800"/>
             <a:ext cx="6096000" cy="3429000"/>
           </a:xfrm>
           <a:custGeom>
+            <a:avLst/>
+            <a:gdLst/>
+            <a:ahLst/>
+            <a:cxnLst/>
+            <a:rect l="0" t="0" r="0" b="0"/>
             <a:pathLst>
-              <a:path extrusionOk="0" h="120000" w="120000">
+              <a:path w="120000" h="120000" extrusionOk="0">
                 <a:moveTo>
                   <a:pt x="0" y="0"/>
                 </a:moveTo>
@@ -918,9 +1067,11 @@
       <p:sp>
         <p:nvSpPr>
           <p:cNvPr id="101" name="Shape 101"/>
-          <p:cNvSpPr txBox="1"/>
+          <p:cNvSpPr txBox="1">
+            <a:spLocks noGrp="1"/>
+          </p:cNvSpPr>
           <p:nvPr>
-            <p:ph idx="1" type="body"/>
+            <p:ph type="body" idx="1"/>
           </p:nvPr>
         </p:nvSpPr>
         <p:spPr>
@@ -933,7 +1084,7 @@
           </a:prstGeom>
         </p:spPr>
         <p:txBody>
-          <a:bodyPr anchorCtr="0" anchor="t" bIns="91425" lIns="91425" rIns="91425" tIns="91425">
+          <a:bodyPr lIns="91425" tIns="91425" rIns="91425" bIns="91425" anchor="t" anchorCtr="0">
             <a:noAutofit/>
           </a:bodyPr>
           <a:lstStyle/>
@@ -944,9 +1095,6 @@
               </a:spcBef>
               <a:buNone/>
             </a:pPr>
-            <a:r>
-              <a:t/>
-            </a:r>
             <a:endParaRPr/>
           </a:p>
         </p:txBody>
@@ -960,11 +1108,11 @@
 </file>
 
 <file path=ppt/notesSlides/notesSlide7.xml><?xml version="1.0" encoding="utf-8"?>
-<p:notes xmlns:a="http://schemas.openxmlformats.org/drawingml/2006/main" xmlns:r="http://schemas.openxmlformats.org/officeDocument/2006/relationships" xmlns:mc="http://schemas.openxmlformats.org/markup-compatibility/2006" xmlns:mv="urn:schemas-microsoft-com:mac:vml" xmlns:p="http://schemas.openxmlformats.org/presentationml/2006/main" xmlns:c="http://schemas.openxmlformats.org/drawingml/2006/chart" xmlns:dgm="http://schemas.openxmlformats.org/drawingml/2006/diagram" xmlns:o="urn:schemas-microsoft-com:office:office" xmlns:v="urn:schemas-microsoft-com:vml" xmlns:pvml="urn:schemas-microsoft-com:office:powerpoint" xmlns:com="http://schemas.openxmlformats.org/drawingml/2006/compatibility" xmlns:p14="http://schemas.microsoft.com/office/powerpoint/2010/main" showMasterPhAnim="0" showMasterSp="0">
+<p:notes xmlns:a="http://schemas.openxmlformats.org/drawingml/2006/main" xmlns:r="http://schemas.openxmlformats.org/officeDocument/2006/relationships" xmlns:p="http://schemas.openxmlformats.org/presentationml/2006/main" showMasterSp="0" showMasterPhAnim="0">
   <p:cSld>
     <p:spTree>
       <p:nvGrpSpPr>
-        <p:cNvPr id="105" name="Shape 105"/>
+        <p:cNvPr id="1" name="Shape 111"/>
         <p:cNvGrpSpPr/>
         <p:nvPr/>
       </p:nvGrpSpPr>
@@ -978,20 +1126,27 @@
       </p:grpSpPr>
       <p:sp>
         <p:nvSpPr>
-          <p:cNvPr id="106" name="Shape 106"/>
-          <p:cNvSpPr/>
+          <p:cNvPr id="112" name="Shape 112"/>
+          <p:cNvSpPr>
+            <a:spLocks noGrp="1" noRot="1" noChangeAspect="1"/>
+          </p:cNvSpPr>
           <p:nvPr>
-            <p:ph idx="2" type="sldImg"/>
+            <p:ph type="sldImg" idx="2"/>
           </p:nvPr>
         </p:nvSpPr>
         <p:spPr>
           <a:xfrm>
-            <a:off x="381300" y="685800"/>
+            <a:off x="381000" y="685800"/>
             <a:ext cx="6096000" cy="3429000"/>
           </a:xfrm>
           <a:custGeom>
+            <a:avLst/>
+            <a:gdLst/>
+            <a:ahLst/>
+            <a:cxnLst/>
+            <a:rect l="0" t="0" r="0" b="0"/>
             <a:pathLst>
-              <a:path extrusionOk="0" h="120000" w="120000">
+              <a:path w="120000" h="120000" extrusionOk="0">
                 <a:moveTo>
                   <a:pt x="0" y="0"/>
                 </a:moveTo>
@@ -1012,10 +1167,12 @@
       </p:sp>
       <p:sp>
         <p:nvSpPr>
-          <p:cNvPr id="107" name="Shape 107"/>
-          <p:cNvSpPr txBox="1"/>
+          <p:cNvPr id="113" name="Shape 113"/>
+          <p:cNvSpPr txBox="1">
+            <a:spLocks noGrp="1"/>
+          </p:cNvSpPr>
           <p:nvPr>
-            <p:ph idx="1" type="body"/>
+            <p:ph type="body" idx="1"/>
           </p:nvPr>
         </p:nvSpPr>
         <p:spPr>
@@ -1028,7 +1185,7 @@
           </a:prstGeom>
         </p:spPr>
         <p:txBody>
-          <a:bodyPr anchorCtr="0" anchor="t" bIns="91425" lIns="91425" rIns="91425" tIns="91425">
+          <a:bodyPr lIns="91425" tIns="91425" rIns="91425" bIns="91425" anchor="t" anchorCtr="0">
             <a:noAutofit/>
           </a:bodyPr>
           <a:lstStyle/>
@@ -1039,104 +1196,6 @@
               </a:spcBef>
               <a:buNone/>
             </a:pPr>
-            <a:r>
-              <a:t/>
-            </a:r>
-            <a:endParaRPr/>
-          </a:p>
-        </p:txBody>
-      </p:sp>
-    </p:spTree>
-  </p:cSld>
-  <p:clrMapOvr>
-    <a:masterClrMapping/>
-  </p:clrMapOvr>
-</p:notes>
-</file>
-
-<file path=ppt/notesSlides/notesSlide8.xml><?xml version="1.0" encoding="utf-8"?>
-<p:notes xmlns:a="http://schemas.openxmlformats.org/drawingml/2006/main" xmlns:r="http://schemas.openxmlformats.org/officeDocument/2006/relationships" xmlns:mc="http://schemas.openxmlformats.org/markup-compatibility/2006" xmlns:mv="urn:schemas-microsoft-com:mac:vml" xmlns:p="http://schemas.openxmlformats.org/presentationml/2006/main" xmlns:c="http://schemas.openxmlformats.org/drawingml/2006/chart" xmlns:dgm="http://schemas.openxmlformats.org/drawingml/2006/diagram" xmlns:o="urn:schemas-microsoft-com:office:office" xmlns:v="urn:schemas-microsoft-com:vml" xmlns:pvml="urn:schemas-microsoft-com:office:powerpoint" xmlns:com="http://schemas.openxmlformats.org/drawingml/2006/compatibility" xmlns:p14="http://schemas.microsoft.com/office/powerpoint/2010/main" showMasterPhAnim="0" showMasterSp="0">
-  <p:cSld>
-    <p:spTree>
-      <p:nvGrpSpPr>
-        <p:cNvPr id="111" name="Shape 111"/>
-        <p:cNvGrpSpPr/>
-        <p:nvPr/>
-      </p:nvGrpSpPr>
-      <p:grpSpPr>
-        <a:xfrm>
-          <a:off x="0" y="0"/>
-          <a:ext cx="0" cy="0"/>
-          <a:chOff x="0" y="0"/>
-          <a:chExt cx="0" cy="0"/>
-        </a:xfrm>
-      </p:grpSpPr>
-      <p:sp>
-        <p:nvSpPr>
-          <p:cNvPr id="112" name="Shape 112"/>
-          <p:cNvSpPr/>
-          <p:nvPr>
-            <p:ph idx="2" type="sldImg"/>
-          </p:nvPr>
-        </p:nvSpPr>
-        <p:spPr>
-          <a:xfrm>
-            <a:off x="381300" y="685800"/>
-            <a:ext cx="6096000" cy="3429000"/>
-          </a:xfrm>
-          <a:custGeom>
-            <a:pathLst>
-              <a:path extrusionOk="0" h="120000" w="120000">
-                <a:moveTo>
-                  <a:pt x="0" y="0"/>
-                </a:moveTo>
-                <a:lnTo>
-                  <a:pt x="120000" y="0"/>
-                </a:lnTo>
-                <a:lnTo>
-                  <a:pt x="120000" y="120000"/>
-                </a:lnTo>
-                <a:lnTo>
-                  <a:pt x="0" y="120000"/>
-                </a:lnTo>
-                <a:close/>
-              </a:path>
-            </a:pathLst>
-          </a:custGeom>
-        </p:spPr>
-      </p:sp>
-      <p:sp>
-        <p:nvSpPr>
-          <p:cNvPr id="113" name="Shape 113"/>
-          <p:cNvSpPr txBox="1"/>
-          <p:nvPr>
-            <p:ph idx="1" type="body"/>
-          </p:nvPr>
-        </p:nvSpPr>
-        <p:spPr>
-          <a:xfrm>
-            <a:off x="685800" y="4343400"/>
-            <a:ext cx="5486400" cy="4114800"/>
-          </a:xfrm>
-          <a:prstGeom prst="rect">
-            <a:avLst/>
-          </a:prstGeom>
-        </p:spPr>
-        <p:txBody>
-          <a:bodyPr anchorCtr="0" anchor="t" bIns="91425" lIns="91425" rIns="91425" tIns="91425">
-            <a:noAutofit/>
-          </a:bodyPr>
-          <a:lstStyle/>
-          <a:p>
-            <a:pPr lvl="0">
-              <a:spcBef>
-                <a:spcPts val="0"/>
-              </a:spcBef>
-              <a:buNone/>
-            </a:pPr>
-            <a:r>
-              <a:t/>
-            </a:r>
             <a:endParaRPr/>
           </a:p>
         </p:txBody>
@@ -1150,18 +1209,19 @@
 </file>
 
 <file path=ppt/slideLayouts/slideLayout1.xml><?xml version="1.0" encoding="utf-8"?>
-<p:sldLayout xmlns:a="http://schemas.openxmlformats.org/drawingml/2006/main" xmlns:r="http://schemas.openxmlformats.org/officeDocument/2006/relationships" xmlns:mc="http://schemas.openxmlformats.org/markup-compatibility/2006" xmlns:mv="urn:schemas-microsoft-com:mac:vml" xmlns:p="http://schemas.openxmlformats.org/presentationml/2006/main" xmlns:c="http://schemas.openxmlformats.org/drawingml/2006/chart" xmlns:dgm="http://schemas.openxmlformats.org/drawingml/2006/diagram" xmlns:o="urn:schemas-microsoft-com:office:office" xmlns:v="urn:schemas-microsoft-com:vml" xmlns:pvml="urn:schemas-microsoft-com:office:powerpoint" xmlns:com="http://schemas.openxmlformats.org/drawingml/2006/compatibility" xmlns:p14="http://schemas.microsoft.com/office/powerpoint/2010/main" type="title">
+<p:sldLayout xmlns:a="http://schemas.openxmlformats.org/drawingml/2006/main" xmlns:r="http://schemas.openxmlformats.org/officeDocument/2006/relationships" xmlns:p="http://schemas.openxmlformats.org/presentationml/2006/main" type="title">
   <p:cSld name="Title slide">
     <p:bg>
       <p:bgPr>
         <a:solidFill>
           <a:schemeClr val="dk1"/>
         </a:solidFill>
+        <a:effectLst/>
       </p:bgPr>
     </p:bg>
     <p:spTree>
       <p:nvGrpSpPr>
-        <p:cNvPr id="9" name="Shape 9"/>
+        <p:cNvPr id="1" name="Shape 9"/>
         <p:cNvGrpSpPr/>
         <p:nvPr/>
       </p:nvGrpSpPr>
@@ -1188,14 +1248,14 @@
             <a:avLst/>
           </a:prstGeom>
           <a:noFill/>
-          <a:ln cap="flat" cmpd="sng" w="38100">
+          <a:ln w="38100" cap="flat" cmpd="sng">
             <a:solidFill>
               <a:schemeClr val="lt1"/>
             </a:solidFill>
             <a:prstDash val="solid"/>
             <a:round/>
-            <a:headEnd len="med" w="med" type="none"/>
-            <a:tailEnd len="med" w="med" type="none"/>
+            <a:headEnd type="none" w="med" len="med"/>
+            <a:tailEnd type="none" w="med" len="med"/>
           </a:ln>
         </p:spPr>
       </p:cxnSp>
@@ -1214,14 +1274,14 @@
             <a:avLst/>
           </a:prstGeom>
           <a:noFill/>
-          <a:ln cap="flat" cmpd="sng" w="19050">
+          <a:ln w="19050" cap="flat" cmpd="sng">
             <a:solidFill>
               <a:schemeClr val="lt1"/>
             </a:solidFill>
             <a:prstDash val="solid"/>
             <a:round/>
-            <a:headEnd len="med" w="med" type="none"/>
-            <a:tailEnd len="med" w="med" type="none"/>
+            <a:headEnd type="none" w="med" len="med"/>
+            <a:tailEnd type="none" w="med" len="med"/>
           </a:ln>
         </p:spPr>
       </p:cxnSp>
@@ -1240,21 +1300,23 @@
             <a:avLst/>
           </a:prstGeom>
           <a:noFill/>
-          <a:ln cap="flat" cmpd="sng" w="19050">
+          <a:ln w="19050" cap="flat" cmpd="sng">
             <a:solidFill>
               <a:schemeClr val="lt1"/>
             </a:solidFill>
             <a:prstDash val="solid"/>
             <a:round/>
-            <a:headEnd len="med" w="med" type="none"/>
-            <a:tailEnd len="med" w="med" type="none"/>
+            <a:headEnd type="none" w="med" len="med"/>
+            <a:tailEnd type="none" w="med" len="med"/>
           </a:ln>
         </p:spPr>
       </p:cxnSp>
       <p:sp>
         <p:nvSpPr>
           <p:cNvPr id="13" name="Shape 13"/>
-          <p:cNvSpPr txBox="1"/>
+          <p:cNvSpPr txBox="1">
+            <a:spLocks noGrp="1"/>
+          </p:cNvSpPr>
           <p:nvPr>
             <p:ph type="ctrTitle"/>
           </p:nvPr>
@@ -1269,7 +1331,7 @@
           </a:prstGeom>
         </p:spPr>
         <p:txBody>
-          <a:bodyPr anchorCtr="0" anchor="t" bIns="91425" lIns="91425" rIns="91425" tIns="91425"/>
+          <a:bodyPr lIns="91425" tIns="91425" rIns="91425" bIns="91425" anchor="t" anchorCtr="0"/>
           <a:lstStyle>
             <a:lvl1pPr lvl="0">
               <a:spcBef>
@@ -1398,15 +1460,19 @@
               </a:defRPr>
             </a:lvl9pPr>
           </a:lstStyle>
-          <a:p/>
+          <a:p>
+            <a:endParaRPr/>
+          </a:p>
         </p:txBody>
       </p:sp>
       <p:sp>
         <p:nvSpPr>
           <p:cNvPr id="14" name="Shape 14"/>
-          <p:cNvSpPr txBox="1"/>
+          <p:cNvSpPr txBox="1">
+            <a:spLocks noGrp="1"/>
+          </p:cNvSpPr>
           <p:nvPr>
-            <p:ph idx="1" type="subTitle"/>
+            <p:ph type="subTitle" idx="1"/>
           </p:nvPr>
         </p:nvSpPr>
         <p:spPr>
@@ -1419,7 +1485,7 @@
           </a:prstGeom>
         </p:spPr>
         <p:txBody>
-          <a:bodyPr anchorCtr="0" anchor="b" bIns="91425" lIns="91425" rIns="91425" tIns="91425"/>
+          <a:bodyPr lIns="91425" tIns="91425" rIns="91425" bIns="91425" anchor="b" anchorCtr="0"/>
           <a:lstStyle>
             <a:lvl1pPr lvl="0">
               <a:lnSpc>
@@ -1610,15 +1676,19 @@
               </a:defRPr>
             </a:lvl9pPr>
           </a:lstStyle>
-          <a:p/>
+          <a:p>
+            <a:endParaRPr/>
+          </a:p>
         </p:txBody>
       </p:sp>
       <p:sp>
         <p:nvSpPr>
           <p:cNvPr id="15" name="Shape 15"/>
-          <p:cNvSpPr txBox="1"/>
+          <p:cNvSpPr txBox="1">
+            <a:spLocks noGrp="1"/>
+          </p:cNvSpPr>
           <p:nvPr>
-            <p:ph idx="12" type="sldNum"/>
+            <p:ph type="sldNum" idx="12"/>
           </p:nvPr>
         </p:nvSpPr>
         <p:spPr>
@@ -1631,7 +1701,7 @@
           </a:prstGeom>
         </p:spPr>
         <p:txBody>
-          <a:bodyPr anchorCtr="0" anchor="ctr" bIns="91425" lIns="91425" rIns="91425" tIns="91425">
+          <a:bodyPr lIns="91425" tIns="91425" rIns="91425" bIns="91425" anchor="ctr" anchorCtr="0">
             <a:noAutofit/>
           </a:bodyPr>
           <a:lstStyle/>
@@ -1648,8 +1718,13 @@
                   <a:schemeClr val="lt1"/>
                 </a:solidFill>
               </a:rPr>
-              <a:t>‹#›</a:t>
+              <a:t>‹Nº›</a:t>
             </a:fld>
+            <a:endParaRPr lang="es">
+              <a:solidFill>
+                <a:schemeClr val="lt1"/>
+              </a:solidFill>
+            </a:endParaRPr>
           </a:p>
         </p:txBody>
       </p:sp>
@@ -1662,11 +1737,11 @@
 </file>
 
 <file path=ppt/slideLayouts/slideLayout10.xml><?xml version="1.0" encoding="utf-8"?>
-<p:sldLayout xmlns:a="http://schemas.openxmlformats.org/drawingml/2006/main" xmlns:r="http://schemas.openxmlformats.org/officeDocument/2006/relationships" xmlns:mc="http://schemas.openxmlformats.org/markup-compatibility/2006" xmlns:mv="urn:schemas-microsoft-com:mac:vml" xmlns:p="http://schemas.openxmlformats.org/presentationml/2006/main" xmlns:c="http://schemas.openxmlformats.org/drawingml/2006/chart" xmlns:dgm="http://schemas.openxmlformats.org/drawingml/2006/diagram" xmlns:o="urn:schemas-microsoft-com:office:office" xmlns:v="urn:schemas-microsoft-com:vml" xmlns:pvml="urn:schemas-microsoft-com:office:powerpoint" xmlns:com="http://schemas.openxmlformats.org/drawingml/2006/compatibility" xmlns:p14="http://schemas.microsoft.com/office/powerpoint/2010/main">
+<p:sldLayout xmlns:a="http://schemas.openxmlformats.org/drawingml/2006/main" xmlns:r="http://schemas.openxmlformats.org/officeDocument/2006/relationships" xmlns:p="http://schemas.openxmlformats.org/presentationml/2006/main">
   <p:cSld name="Big number">
     <p:spTree>
       <p:nvGrpSpPr>
-        <p:cNvPr id="60" name="Shape 60"/>
+        <p:cNvPr id="1" name="Shape 60"/>
         <p:cNvGrpSpPr/>
         <p:nvPr/>
       </p:nvGrpSpPr>
@@ -1693,14 +1768,14 @@
             <a:avLst/>
           </a:prstGeom>
           <a:noFill/>
-          <a:ln cap="flat" cmpd="sng" w="19050">
+          <a:ln w="19050" cap="flat" cmpd="sng">
             <a:solidFill>
               <a:schemeClr val="dk2"/>
             </a:solidFill>
             <a:prstDash val="solid"/>
             <a:round/>
-            <a:headEnd len="med" w="med" type="none"/>
-            <a:tailEnd len="med" w="med" type="none"/>
+            <a:headEnd type="none" w="med" len="med"/>
+            <a:tailEnd type="none" w="med" len="med"/>
           </a:ln>
         </p:spPr>
       </p:cxnSp>
@@ -1719,21 +1794,23 @@
             <a:avLst/>
           </a:prstGeom>
           <a:noFill/>
-          <a:ln cap="flat" cmpd="sng" w="38100">
+          <a:ln w="38100" cap="flat" cmpd="sng">
             <a:solidFill>
               <a:schemeClr val="dk2"/>
             </a:solidFill>
             <a:prstDash val="solid"/>
             <a:round/>
-            <a:headEnd len="med" w="med" type="none"/>
-            <a:tailEnd len="med" w="med" type="none"/>
+            <a:headEnd type="none" w="med" len="med"/>
+            <a:tailEnd type="none" w="med" len="med"/>
           </a:ln>
         </p:spPr>
       </p:cxnSp>
       <p:sp>
         <p:nvSpPr>
           <p:cNvPr id="63" name="Shape 63"/>
-          <p:cNvSpPr txBox="1"/>
+          <p:cNvSpPr txBox="1">
+            <a:spLocks noGrp="1"/>
+          </p:cNvSpPr>
           <p:nvPr>
             <p:ph type="title"/>
           </p:nvPr>
@@ -1748,7 +1825,7 @@
           </a:prstGeom>
         </p:spPr>
         <p:txBody>
-          <a:bodyPr anchorCtr="0" anchor="ctr" bIns="91425" lIns="91425" rIns="91425" tIns="91425"/>
+          <a:bodyPr lIns="91425" tIns="91425" rIns="91425" bIns="91425" anchor="ctr" anchorCtr="0"/>
           <a:lstStyle>
             <a:lvl1pPr lvl="0" algn="ctr">
               <a:spcBef>
@@ -1922,15 +1999,19 @@
               </a:defRPr>
             </a:lvl9pPr>
           </a:lstStyle>
-          <a:p/>
+          <a:p>
+            <a:endParaRPr/>
+          </a:p>
         </p:txBody>
       </p:sp>
       <p:sp>
         <p:nvSpPr>
           <p:cNvPr id="64" name="Shape 64"/>
-          <p:cNvSpPr txBox="1"/>
+          <p:cNvSpPr txBox="1">
+            <a:spLocks noGrp="1"/>
+          </p:cNvSpPr>
           <p:nvPr>
-            <p:ph idx="1" type="body"/>
+            <p:ph type="body" idx="1"/>
           </p:nvPr>
         </p:nvSpPr>
         <p:spPr>
@@ -1943,7 +2024,7 @@
           </a:prstGeom>
         </p:spPr>
         <p:txBody>
-          <a:bodyPr anchorCtr="0" anchor="t" bIns="91425" lIns="91425" rIns="91425" tIns="91425"/>
+          <a:bodyPr lIns="91425" tIns="91425" rIns="91425" bIns="91425" anchor="t" anchorCtr="0"/>
           <a:lstStyle>
             <a:lvl1pPr lvl="0" algn="ctr">
               <a:spcBef>
@@ -2000,15 +2081,19 @@
               <a:defRPr/>
             </a:lvl9pPr>
           </a:lstStyle>
-          <a:p/>
+          <a:p>
+            <a:endParaRPr/>
+          </a:p>
         </p:txBody>
       </p:sp>
       <p:sp>
         <p:nvSpPr>
           <p:cNvPr id="65" name="Shape 65"/>
-          <p:cNvSpPr txBox="1"/>
+          <p:cNvSpPr txBox="1">
+            <a:spLocks noGrp="1"/>
+          </p:cNvSpPr>
           <p:nvPr>
-            <p:ph idx="12" type="sldNum"/>
+            <p:ph type="sldNum" idx="12"/>
           </p:nvPr>
         </p:nvSpPr>
         <p:spPr>
@@ -2021,7 +2106,7 @@
           </a:prstGeom>
         </p:spPr>
         <p:txBody>
-          <a:bodyPr anchorCtr="0" anchor="ctr" bIns="91425" lIns="91425" rIns="91425" tIns="91425">
+          <a:bodyPr lIns="91425" tIns="91425" rIns="91425" bIns="91425" anchor="ctr" anchorCtr="0">
             <a:noAutofit/>
           </a:bodyPr>
           <a:lstStyle/>
@@ -2034,8 +2119,9 @@
             </a:pPr>
             <a:fld id="{00000000-1234-1234-1234-123412341234}" type="slidenum">
               <a:rPr lang="es"/>
-              <a:t>‹#›</a:t>
+              <a:t>‹Nº›</a:t>
             </a:fld>
+            <a:endParaRPr lang="es"/>
           </a:p>
         </p:txBody>
       </p:sp>
@@ -2048,11 +2134,11 @@
 </file>
 
 <file path=ppt/slideLayouts/slideLayout11.xml><?xml version="1.0" encoding="utf-8"?>
-<p:sldLayout xmlns:a="http://schemas.openxmlformats.org/drawingml/2006/main" xmlns:r="http://schemas.openxmlformats.org/officeDocument/2006/relationships" xmlns:mc="http://schemas.openxmlformats.org/markup-compatibility/2006" xmlns:mv="urn:schemas-microsoft-com:mac:vml" xmlns:p="http://schemas.openxmlformats.org/presentationml/2006/main" xmlns:c="http://schemas.openxmlformats.org/drawingml/2006/chart" xmlns:dgm="http://schemas.openxmlformats.org/drawingml/2006/diagram" xmlns:o="urn:schemas-microsoft-com:office:office" xmlns:v="urn:schemas-microsoft-com:vml" xmlns:pvml="urn:schemas-microsoft-com:office:powerpoint" xmlns:com="http://schemas.openxmlformats.org/drawingml/2006/compatibility" xmlns:p14="http://schemas.microsoft.com/office/powerpoint/2010/main" type="blank">
+<p:sldLayout xmlns:a="http://schemas.openxmlformats.org/drawingml/2006/main" xmlns:r="http://schemas.openxmlformats.org/officeDocument/2006/relationships" xmlns:p="http://schemas.openxmlformats.org/presentationml/2006/main" type="blank">
   <p:cSld name="Blank">
     <p:spTree>
       <p:nvGrpSpPr>
-        <p:cNvPr id="66" name="Shape 66"/>
+        <p:cNvPr id="1" name="Shape 66"/>
         <p:cNvGrpSpPr/>
         <p:nvPr/>
       </p:nvGrpSpPr>
@@ -2067,9 +2153,11 @@
       <p:sp>
         <p:nvSpPr>
           <p:cNvPr id="67" name="Shape 67"/>
-          <p:cNvSpPr txBox="1"/>
+          <p:cNvSpPr txBox="1">
+            <a:spLocks noGrp="1"/>
+          </p:cNvSpPr>
           <p:nvPr>
-            <p:ph idx="12" type="sldNum"/>
+            <p:ph type="sldNum" idx="12"/>
           </p:nvPr>
         </p:nvSpPr>
         <p:spPr>
@@ -2082,7 +2170,7 @@
           </a:prstGeom>
         </p:spPr>
         <p:txBody>
-          <a:bodyPr anchorCtr="0" anchor="ctr" bIns="91425" lIns="91425" rIns="91425" tIns="91425">
+          <a:bodyPr lIns="91425" tIns="91425" rIns="91425" bIns="91425" anchor="ctr" anchorCtr="0">
             <a:noAutofit/>
           </a:bodyPr>
           <a:lstStyle/>
@@ -2095,8 +2183,9 @@
             </a:pPr>
             <a:fld id="{00000000-1234-1234-1234-123412341234}" type="slidenum">
               <a:rPr lang="es"/>
-              <a:t>‹#›</a:t>
+              <a:t>‹Nº›</a:t>
             </a:fld>
+            <a:endParaRPr lang="es"/>
           </a:p>
         </p:txBody>
       </p:sp>
@@ -2109,18 +2198,19 @@
 </file>
 
 <file path=ppt/slideLayouts/slideLayout2.xml><?xml version="1.0" encoding="utf-8"?>
-<p:sldLayout xmlns:a="http://schemas.openxmlformats.org/drawingml/2006/main" xmlns:r="http://schemas.openxmlformats.org/officeDocument/2006/relationships" xmlns:mc="http://schemas.openxmlformats.org/markup-compatibility/2006" xmlns:mv="urn:schemas-microsoft-com:mac:vml" xmlns:p="http://schemas.openxmlformats.org/presentationml/2006/main" xmlns:c="http://schemas.openxmlformats.org/drawingml/2006/chart" xmlns:dgm="http://schemas.openxmlformats.org/drawingml/2006/diagram" xmlns:o="urn:schemas-microsoft-com:office:office" xmlns:v="urn:schemas-microsoft-com:vml" xmlns:pvml="urn:schemas-microsoft-com:office:powerpoint" xmlns:com="http://schemas.openxmlformats.org/drawingml/2006/compatibility" xmlns:p14="http://schemas.microsoft.com/office/powerpoint/2010/main" type="secHead">
+<p:sldLayout xmlns:a="http://schemas.openxmlformats.org/drawingml/2006/main" xmlns:r="http://schemas.openxmlformats.org/officeDocument/2006/relationships" xmlns:p="http://schemas.openxmlformats.org/presentationml/2006/main" type="secHead">
   <p:cSld name="Section header">
     <p:bg>
       <p:bgPr>
         <a:solidFill>
           <a:schemeClr val="dk1"/>
         </a:solidFill>
+        <a:effectLst/>
       </p:bgPr>
     </p:bg>
     <p:spTree>
       <p:nvGrpSpPr>
-        <p:cNvPr id="16" name="Shape 16"/>
+        <p:cNvPr id="1" name="Shape 16"/>
         <p:cNvGrpSpPr/>
         <p:nvPr/>
       </p:nvGrpSpPr>
@@ -2147,14 +2237,14 @@
             <a:avLst/>
           </a:prstGeom>
           <a:noFill/>
-          <a:ln cap="flat" cmpd="sng" w="38100">
+          <a:ln w="38100" cap="flat" cmpd="sng">
             <a:solidFill>
               <a:schemeClr val="lt1"/>
             </a:solidFill>
             <a:prstDash val="solid"/>
             <a:round/>
-            <a:headEnd len="med" w="med" type="none"/>
-            <a:tailEnd len="med" w="med" type="none"/>
+            <a:headEnd type="none" w="med" len="med"/>
+            <a:tailEnd type="none" w="med" len="med"/>
           </a:ln>
         </p:spPr>
       </p:cxnSp>
@@ -2173,21 +2263,23 @@
             <a:avLst/>
           </a:prstGeom>
           <a:noFill/>
-          <a:ln cap="flat" cmpd="sng" w="19050">
+          <a:ln w="19050" cap="flat" cmpd="sng">
             <a:solidFill>
               <a:schemeClr val="lt1"/>
             </a:solidFill>
             <a:prstDash val="solid"/>
             <a:round/>
-            <a:headEnd len="med" w="med" type="none"/>
-            <a:tailEnd len="med" w="med" type="none"/>
+            <a:headEnd type="none" w="med" len="med"/>
+            <a:tailEnd type="none" w="med" len="med"/>
           </a:ln>
         </p:spPr>
       </p:cxnSp>
       <p:sp>
         <p:nvSpPr>
           <p:cNvPr id="19" name="Shape 19"/>
-          <p:cNvSpPr txBox="1"/>
+          <p:cNvSpPr txBox="1">
+            <a:spLocks noGrp="1"/>
+          </p:cNvSpPr>
           <p:nvPr>
             <p:ph type="title"/>
           </p:nvPr>
@@ -2202,7 +2294,7 @@
           </a:prstGeom>
         </p:spPr>
         <p:txBody>
-          <a:bodyPr anchorCtr="0" anchor="ctr" bIns="91425" lIns="91425" rIns="91425" tIns="91425"/>
+          <a:bodyPr lIns="91425" tIns="91425" rIns="91425" bIns="91425" anchor="ctr" anchorCtr="0"/>
           <a:lstStyle>
             <a:lvl1pPr lvl="0" algn="ctr">
               <a:spcBef>
@@ -2331,15 +2423,19 @@
               </a:defRPr>
             </a:lvl9pPr>
           </a:lstStyle>
-          <a:p/>
+          <a:p>
+            <a:endParaRPr/>
+          </a:p>
         </p:txBody>
       </p:sp>
       <p:sp>
         <p:nvSpPr>
           <p:cNvPr id="20" name="Shape 20"/>
-          <p:cNvSpPr txBox="1"/>
+          <p:cNvSpPr txBox="1">
+            <a:spLocks noGrp="1"/>
+          </p:cNvSpPr>
           <p:nvPr>
-            <p:ph idx="12" type="sldNum"/>
+            <p:ph type="sldNum" idx="12"/>
           </p:nvPr>
         </p:nvSpPr>
         <p:spPr>
@@ -2352,7 +2448,7 @@
           </a:prstGeom>
         </p:spPr>
         <p:txBody>
-          <a:bodyPr anchorCtr="0" anchor="ctr" bIns="91425" lIns="91425" rIns="91425" tIns="91425">
+          <a:bodyPr lIns="91425" tIns="91425" rIns="91425" bIns="91425" anchor="ctr" anchorCtr="0">
             <a:noAutofit/>
           </a:bodyPr>
           <a:lstStyle/>
@@ -2369,8 +2465,13 @@
                   <a:schemeClr val="lt1"/>
                 </a:solidFill>
               </a:rPr>
-              <a:t>‹#›</a:t>
+              <a:t>‹Nº›</a:t>
             </a:fld>
+            <a:endParaRPr lang="es">
+              <a:solidFill>
+                <a:schemeClr val="lt1"/>
+              </a:solidFill>
+            </a:endParaRPr>
           </a:p>
         </p:txBody>
       </p:sp>
@@ -2383,11 +2484,11 @@
 </file>
 
 <file path=ppt/slideLayouts/slideLayout3.xml><?xml version="1.0" encoding="utf-8"?>
-<p:sldLayout xmlns:a="http://schemas.openxmlformats.org/drawingml/2006/main" xmlns:r="http://schemas.openxmlformats.org/officeDocument/2006/relationships" xmlns:mc="http://schemas.openxmlformats.org/markup-compatibility/2006" xmlns:mv="urn:schemas-microsoft-com:mac:vml" xmlns:p="http://schemas.openxmlformats.org/presentationml/2006/main" xmlns:c="http://schemas.openxmlformats.org/drawingml/2006/chart" xmlns:dgm="http://schemas.openxmlformats.org/drawingml/2006/diagram" xmlns:o="urn:schemas-microsoft-com:office:office" xmlns:v="urn:schemas-microsoft-com:vml" xmlns:pvml="urn:schemas-microsoft-com:office:powerpoint" xmlns:com="http://schemas.openxmlformats.org/drawingml/2006/compatibility" xmlns:p14="http://schemas.microsoft.com/office/powerpoint/2010/main" type="tx">
+<p:sldLayout xmlns:a="http://schemas.openxmlformats.org/drawingml/2006/main" xmlns:r="http://schemas.openxmlformats.org/officeDocument/2006/relationships" xmlns:p="http://schemas.openxmlformats.org/presentationml/2006/main" type="tx">
   <p:cSld name="Title and body">
     <p:spTree>
       <p:nvGrpSpPr>
-        <p:cNvPr id="21" name="Shape 21"/>
+        <p:cNvPr id="1" name="Shape 21"/>
         <p:cNvGrpSpPr/>
         <p:nvPr/>
       </p:nvGrpSpPr>
@@ -2414,14 +2515,14 @@
             <a:avLst/>
           </a:prstGeom>
           <a:noFill/>
-          <a:ln cap="flat" cmpd="sng" w="38100">
+          <a:ln w="38100" cap="flat" cmpd="sng">
             <a:solidFill>
               <a:schemeClr val="dk2"/>
             </a:solidFill>
             <a:prstDash val="solid"/>
             <a:round/>
-            <a:headEnd len="med" w="med" type="none"/>
-            <a:tailEnd len="med" w="med" type="none"/>
+            <a:headEnd type="none" w="med" len="med"/>
+            <a:tailEnd type="none" w="med" len="med"/>
           </a:ln>
         </p:spPr>
       </p:cxnSp>
@@ -2440,14 +2541,14 @@
             <a:avLst/>
           </a:prstGeom>
           <a:noFill/>
-          <a:ln cap="flat" cmpd="sng" w="19050">
+          <a:ln w="19050" cap="flat" cmpd="sng">
             <a:solidFill>
               <a:schemeClr val="dk2"/>
             </a:solidFill>
             <a:prstDash val="solid"/>
             <a:round/>
-            <a:headEnd len="med" w="med" type="none"/>
-            <a:tailEnd len="med" w="med" type="none"/>
+            <a:headEnd type="none" w="med" len="med"/>
+            <a:tailEnd type="none" w="med" len="med"/>
           </a:ln>
         </p:spPr>
       </p:cxnSp>
@@ -2466,21 +2567,23 @@
             <a:avLst/>
           </a:prstGeom>
           <a:noFill/>
-          <a:ln cap="flat" cmpd="sng" w="19050">
+          <a:ln w="19050" cap="flat" cmpd="sng">
             <a:solidFill>
               <a:schemeClr val="dk2"/>
             </a:solidFill>
             <a:prstDash val="solid"/>
             <a:round/>
-            <a:headEnd len="med" w="med" type="none"/>
-            <a:tailEnd len="med" w="med" type="none"/>
+            <a:headEnd type="none" w="med" len="med"/>
+            <a:tailEnd type="none" w="med" len="med"/>
           </a:ln>
         </p:spPr>
       </p:cxnSp>
       <p:sp>
         <p:nvSpPr>
           <p:cNvPr id="25" name="Shape 25"/>
-          <p:cNvSpPr txBox="1"/>
+          <p:cNvSpPr txBox="1">
+            <a:spLocks noGrp="1"/>
+          </p:cNvSpPr>
           <p:nvPr>
             <p:ph type="title"/>
           </p:nvPr>
@@ -2495,7 +2598,7 @@
           </a:prstGeom>
         </p:spPr>
         <p:txBody>
-          <a:bodyPr anchorCtr="0" anchor="t" bIns="91425" lIns="91425" rIns="91425" tIns="91425"/>
+          <a:bodyPr lIns="91425" tIns="91425" rIns="91425" bIns="91425" anchor="t" anchorCtr="0"/>
           <a:lstStyle>
             <a:lvl1pPr lvl="0">
               <a:spcBef>
@@ -2552,15 +2655,19 @@
               <a:defRPr/>
             </a:lvl9pPr>
           </a:lstStyle>
-          <a:p/>
+          <a:p>
+            <a:endParaRPr/>
+          </a:p>
         </p:txBody>
       </p:sp>
       <p:sp>
         <p:nvSpPr>
           <p:cNvPr id="26" name="Shape 26"/>
-          <p:cNvSpPr txBox="1"/>
+          <p:cNvSpPr txBox="1">
+            <a:spLocks noGrp="1"/>
+          </p:cNvSpPr>
           <p:nvPr>
-            <p:ph idx="1" type="body"/>
+            <p:ph type="body" idx="1"/>
           </p:nvPr>
         </p:nvSpPr>
         <p:spPr>
@@ -2573,7 +2680,7 @@
           </a:prstGeom>
         </p:spPr>
         <p:txBody>
-          <a:bodyPr anchorCtr="0" anchor="t" bIns="91425" lIns="91425" rIns="91425" tIns="91425"/>
+          <a:bodyPr lIns="91425" tIns="91425" rIns="91425" bIns="91425" anchor="t" anchorCtr="0"/>
           <a:lstStyle>
             <a:lvl1pPr lvl="0">
               <a:spcBef>
@@ -2630,15 +2737,19 @@
               <a:defRPr/>
             </a:lvl9pPr>
           </a:lstStyle>
-          <a:p/>
+          <a:p>
+            <a:endParaRPr/>
+          </a:p>
         </p:txBody>
       </p:sp>
       <p:sp>
         <p:nvSpPr>
           <p:cNvPr id="27" name="Shape 27"/>
-          <p:cNvSpPr txBox="1"/>
+          <p:cNvSpPr txBox="1">
+            <a:spLocks noGrp="1"/>
+          </p:cNvSpPr>
           <p:nvPr>
-            <p:ph idx="12" type="sldNum"/>
+            <p:ph type="sldNum" idx="12"/>
           </p:nvPr>
         </p:nvSpPr>
         <p:spPr>
@@ -2651,7 +2762,7 @@
           </a:prstGeom>
         </p:spPr>
         <p:txBody>
-          <a:bodyPr anchorCtr="0" anchor="ctr" bIns="91425" lIns="91425" rIns="91425" tIns="91425">
+          <a:bodyPr lIns="91425" tIns="91425" rIns="91425" bIns="91425" anchor="ctr" anchorCtr="0">
             <a:noAutofit/>
           </a:bodyPr>
           <a:lstStyle/>
@@ -2664,8 +2775,9 @@
             </a:pPr>
             <a:fld id="{00000000-1234-1234-1234-123412341234}" type="slidenum">
               <a:rPr lang="es"/>
-              <a:t>‹#›</a:t>
+              <a:t>‹Nº›</a:t>
             </a:fld>
+            <a:endParaRPr lang="es"/>
           </a:p>
         </p:txBody>
       </p:sp>
@@ -2678,11 +2790,11 @@
 </file>
 
 <file path=ppt/slideLayouts/slideLayout4.xml><?xml version="1.0" encoding="utf-8"?>
-<p:sldLayout xmlns:a="http://schemas.openxmlformats.org/drawingml/2006/main" xmlns:r="http://schemas.openxmlformats.org/officeDocument/2006/relationships" xmlns:mc="http://schemas.openxmlformats.org/markup-compatibility/2006" xmlns:mv="urn:schemas-microsoft-com:mac:vml" xmlns:p="http://schemas.openxmlformats.org/presentationml/2006/main" xmlns:c="http://schemas.openxmlformats.org/drawingml/2006/chart" xmlns:dgm="http://schemas.openxmlformats.org/drawingml/2006/diagram" xmlns:o="urn:schemas-microsoft-com:office:office" xmlns:v="urn:schemas-microsoft-com:vml" xmlns:pvml="urn:schemas-microsoft-com:office:powerpoint" xmlns:com="http://schemas.openxmlformats.org/drawingml/2006/compatibility" xmlns:p14="http://schemas.microsoft.com/office/powerpoint/2010/main" type="twoColTx">
+<p:sldLayout xmlns:a="http://schemas.openxmlformats.org/drawingml/2006/main" xmlns:r="http://schemas.openxmlformats.org/officeDocument/2006/relationships" xmlns:p="http://schemas.openxmlformats.org/presentationml/2006/main" type="twoColTx">
   <p:cSld name="Title and two columns">
     <p:spTree>
       <p:nvGrpSpPr>
-        <p:cNvPr id="28" name="Shape 28"/>
+        <p:cNvPr id="1" name="Shape 28"/>
         <p:cNvGrpSpPr/>
         <p:nvPr/>
       </p:nvGrpSpPr>
@@ -2709,14 +2821,14 @@
             <a:avLst/>
           </a:prstGeom>
           <a:noFill/>
-          <a:ln cap="flat" cmpd="sng" w="38100">
+          <a:ln w="38100" cap="flat" cmpd="sng">
             <a:solidFill>
               <a:schemeClr val="dk2"/>
             </a:solidFill>
             <a:prstDash val="solid"/>
             <a:round/>
-            <a:headEnd len="med" w="med" type="none"/>
-            <a:tailEnd len="med" w="med" type="none"/>
+            <a:headEnd type="none" w="med" len="med"/>
+            <a:tailEnd type="none" w="med" len="med"/>
           </a:ln>
         </p:spPr>
       </p:cxnSp>
@@ -2735,14 +2847,14 @@
             <a:avLst/>
           </a:prstGeom>
           <a:noFill/>
-          <a:ln cap="flat" cmpd="sng" w="19050">
+          <a:ln w="19050" cap="flat" cmpd="sng">
             <a:solidFill>
               <a:schemeClr val="dk2"/>
             </a:solidFill>
             <a:prstDash val="solid"/>
             <a:round/>
-            <a:headEnd len="med" w="med" type="none"/>
-            <a:tailEnd len="med" w="med" type="none"/>
+            <a:headEnd type="none" w="med" len="med"/>
+            <a:tailEnd type="none" w="med" len="med"/>
           </a:ln>
         </p:spPr>
       </p:cxnSp>
@@ -2761,21 +2873,23 @@
             <a:avLst/>
           </a:prstGeom>
           <a:noFill/>
-          <a:ln cap="flat" cmpd="sng" w="19050">
+          <a:ln w="19050" cap="flat" cmpd="sng">
             <a:solidFill>
               <a:schemeClr val="dk2"/>
             </a:solidFill>
             <a:prstDash val="solid"/>
             <a:round/>
-            <a:headEnd len="med" w="med" type="none"/>
-            <a:tailEnd len="med" w="med" type="none"/>
+            <a:headEnd type="none" w="med" len="med"/>
+            <a:tailEnd type="none" w="med" len="med"/>
           </a:ln>
         </p:spPr>
       </p:cxnSp>
       <p:sp>
         <p:nvSpPr>
           <p:cNvPr id="32" name="Shape 32"/>
-          <p:cNvSpPr txBox="1"/>
+          <p:cNvSpPr txBox="1">
+            <a:spLocks noGrp="1"/>
+          </p:cNvSpPr>
           <p:nvPr>
             <p:ph type="title"/>
           </p:nvPr>
@@ -2790,7 +2904,7 @@
           </a:prstGeom>
         </p:spPr>
         <p:txBody>
-          <a:bodyPr anchorCtr="0" anchor="t" bIns="91425" lIns="91425" rIns="91425" tIns="91425"/>
+          <a:bodyPr lIns="91425" tIns="91425" rIns="91425" bIns="91425" anchor="t" anchorCtr="0"/>
           <a:lstStyle>
             <a:lvl1pPr lvl="0">
               <a:spcBef>
@@ -2847,15 +2961,19 @@
               <a:defRPr/>
             </a:lvl9pPr>
           </a:lstStyle>
-          <a:p/>
+          <a:p>
+            <a:endParaRPr/>
+          </a:p>
         </p:txBody>
       </p:sp>
       <p:sp>
         <p:nvSpPr>
           <p:cNvPr id="33" name="Shape 33"/>
-          <p:cNvSpPr txBox="1"/>
+          <p:cNvSpPr txBox="1">
+            <a:spLocks noGrp="1"/>
+          </p:cNvSpPr>
           <p:nvPr>
-            <p:ph idx="1" type="body"/>
+            <p:ph type="body" idx="1"/>
           </p:nvPr>
         </p:nvSpPr>
         <p:spPr>
@@ -2868,7 +2986,7 @@
           </a:prstGeom>
         </p:spPr>
         <p:txBody>
-          <a:bodyPr anchorCtr="0" anchor="t" bIns="91425" lIns="91425" rIns="91425" tIns="91425"/>
+          <a:bodyPr lIns="91425" tIns="91425" rIns="91425" bIns="91425" anchor="t" anchorCtr="0"/>
           <a:lstStyle>
             <a:lvl1pPr lvl="0">
               <a:spcBef>
@@ -2934,15 +3052,19 @@
               <a:defRPr sz="1200"/>
             </a:lvl9pPr>
           </a:lstStyle>
-          <a:p/>
+          <a:p>
+            <a:endParaRPr/>
+          </a:p>
         </p:txBody>
       </p:sp>
       <p:sp>
         <p:nvSpPr>
           <p:cNvPr id="34" name="Shape 34"/>
-          <p:cNvSpPr txBox="1"/>
+          <p:cNvSpPr txBox="1">
+            <a:spLocks noGrp="1"/>
+          </p:cNvSpPr>
           <p:nvPr>
-            <p:ph idx="2" type="body"/>
+            <p:ph type="body" idx="2"/>
           </p:nvPr>
         </p:nvSpPr>
         <p:spPr>
@@ -2955,7 +3077,7 @@
           </a:prstGeom>
         </p:spPr>
         <p:txBody>
-          <a:bodyPr anchorCtr="0" anchor="t" bIns="91425" lIns="91425" rIns="91425" tIns="91425"/>
+          <a:bodyPr lIns="91425" tIns="91425" rIns="91425" bIns="91425" anchor="t" anchorCtr="0"/>
           <a:lstStyle>
             <a:lvl1pPr lvl="0">
               <a:spcBef>
@@ -3021,15 +3143,19 @@
               <a:defRPr sz="1200"/>
             </a:lvl9pPr>
           </a:lstStyle>
-          <a:p/>
+          <a:p>
+            <a:endParaRPr/>
+          </a:p>
         </p:txBody>
       </p:sp>
       <p:sp>
         <p:nvSpPr>
           <p:cNvPr id="35" name="Shape 35"/>
-          <p:cNvSpPr txBox="1"/>
+          <p:cNvSpPr txBox="1">
+            <a:spLocks noGrp="1"/>
+          </p:cNvSpPr>
           <p:nvPr>
-            <p:ph idx="12" type="sldNum"/>
+            <p:ph type="sldNum" idx="12"/>
           </p:nvPr>
         </p:nvSpPr>
         <p:spPr>
@@ -3042,7 +3168,7 @@
           </a:prstGeom>
         </p:spPr>
         <p:txBody>
-          <a:bodyPr anchorCtr="0" anchor="ctr" bIns="91425" lIns="91425" rIns="91425" tIns="91425">
+          <a:bodyPr lIns="91425" tIns="91425" rIns="91425" bIns="91425" anchor="ctr" anchorCtr="0">
             <a:noAutofit/>
           </a:bodyPr>
           <a:lstStyle/>
@@ -3055,8 +3181,9 @@
             </a:pPr>
             <a:fld id="{00000000-1234-1234-1234-123412341234}" type="slidenum">
               <a:rPr lang="es"/>
-              <a:t>‹#›</a:t>
+              <a:t>‹Nº›</a:t>
             </a:fld>
+            <a:endParaRPr lang="es"/>
           </a:p>
         </p:txBody>
       </p:sp>
@@ -3069,11 +3196,11 @@
 </file>
 
 <file path=ppt/slideLayouts/slideLayout5.xml><?xml version="1.0" encoding="utf-8"?>
-<p:sldLayout xmlns:a="http://schemas.openxmlformats.org/drawingml/2006/main" xmlns:r="http://schemas.openxmlformats.org/officeDocument/2006/relationships" xmlns:mc="http://schemas.openxmlformats.org/markup-compatibility/2006" xmlns:mv="urn:schemas-microsoft-com:mac:vml" xmlns:p="http://schemas.openxmlformats.org/presentationml/2006/main" xmlns:c="http://schemas.openxmlformats.org/drawingml/2006/chart" xmlns:dgm="http://schemas.openxmlformats.org/drawingml/2006/diagram" xmlns:o="urn:schemas-microsoft-com:office:office" xmlns:v="urn:schemas-microsoft-com:vml" xmlns:pvml="urn:schemas-microsoft-com:office:powerpoint" xmlns:com="http://schemas.openxmlformats.org/drawingml/2006/compatibility" xmlns:p14="http://schemas.microsoft.com/office/powerpoint/2010/main" type="titleOnly">
+<p:sldLayout xmlns:a="http://schemas.openxmlformats.org/drawingml/2006/main" xmlns:r="http://schemas.openxmlformats.org/officeDocument/2006/relationships" xmlns:p="http://schemas.openxmlformats.org/presentationml/2006/main" type="titleOnly">
   <p:cSld name="Title only">
     <p:spTree>
       <p:nvGrpSpPr>
-        <p:cNvPr id="36" name="Shape 36"/>
+        <p:cNvPr id="1" name="Shape 36"/>
         <p:cNvGrpSpPr/>
         <p:nvPr/>
       </p:nvGrpSpPr>
@@ -3088,7 +3215,9 @@
       <p:sp>
         <p:nvSpPr>
           <p:cNvPr id="37" name="Shape 37"/>
-          <p:cNvSpPr txBox="1"/>
+          <p:cNvSpPr txBox="1">
+            <a:spLocks noGrp="1"/>
+          </p:cNvSpPr>
           <p:nvPr>
             <p:ph type="title"/>
           </p:nvPr>
@@ -3103,7 +3232,7 @@
           </a:prstGeom>
         </p:spPr>
         <p:txBody>
-          <a:bodyPr anchorCtr="0" anchor="t" bIns="91425" lIns="91425" rIns="91425" tIns="91425"/>
+          <a:bodyPr lIns="91425" tIns="91425" rIns="91425" bIns="91425" anchor="t" anchorCtr="0"/>
           <a:lstStyle>
             <a:lvl1pPr lvl="0">
               <a:spcBef>
@@ -3160,15 +3289,19 @@
               <a:defRPr/>
             </a:lvl9pPr>
           </a:lstStyle>
-          <a:p/>
+          <a:p>
+            <a:endParaRPr/>
+          </a:p>
         </p:txBody>
       </p:sp>
       <p:sp>
         <p:nvSpPr>
           <p:cNvPr id="38" name="Shape 38"/>
-          <p:cNvSpPr txBox="1"/>
+          <p:cNvSpPr txBox="1">
+            <a:spLocks noGrp="1"/>
+          </p:cNvSpPr>
           <p:nvPr>
-            <p:ph idx="12" type="sldNum"/>
+            <p:ph type="sldNum" idx="12"/>
           </p:nvPr>
         </p:nvSpPr>
         <p:spPr>
@@ -3181,7 +3314,7 @@
           </a:prstGeom>
         </p:spPr>
         <p:txBody>
-          <a:bodyPr anchorCtr="0" anchor="ctr" bIns="91425" lIns="91425" rIns="91425" tIns="91425">
+          <a:bodyPr lIns="91425" tIns="91425" rIns="91425" bIns="91425" anchor="ctr" anchorCtr="0">
             <a:noAutofit/>
           </a:bodyPr>
           <a:lstStyle/>
@@ -3194,8 +3327,9 @@
             </a:pPr>
             <a:fld id="{00000000-1234-1234-1234-123412341234}" type="slidenum">
               <a:rPr lang="es"/>
-              <a:t>‹#›</a:t>
+              <a:t>‹Nº›</a:t>
             </a:fld>
+            <a:endParaRPr lang="es"/>
           </a:p>
         </p:txBody>
       </p:sp>
@@ -3208,11 +3342,11 @@
 </file>
 
 <file path=ppt/slideLayouts/slideLayout6.xml><?xml version="1.0" encoding="utf-8"?>
-<p:sldLayout xmlns:a="http://schemas.openxmlformats.org/drawingml/2006/main" xmlns:r="http://schemas.openxmlformats.org/officeDocument/2006/relationships" xmlns:mc="http://schemas.openxmlformats.org/markup-compatibility/2006" xmlns:mv="urn:schemas-microsoft-com:mac:vml" xmlns:p="http://schemas.openxmlformats.org/presentationml/2006/main" xmlns:c="http://schemas.openxmlformats.org/drawingml/2006/chart" xmlns:dgm="http://schemas.openxmlformats.org/drawingml/2006/diagram" xmlns:o="urn:schemas-microsoft-com:office:office" xmlns:v="urn:schemas-microsoft-com:vml" xmlns:pvml="urn:schemas-microsoft-com:office:powerpoint" xmlns:com="http://schemas.openxmlformats.org/drawingml/2006/compatibility" xmlns:p14="http://schemas.microsoft.com/office/powerpoint/2010/main">
+<p:sldLayout xmlns:a="http://schemas.openxmlformats.org/drawingml/2006/main" xmlns:r="http://schemas.openxmlformats.org/officeDocument/2006/relationships" xmlns:p="http://schemas.openxmlformats.org/presentationml/2006/main">
   <p:cSld name="One column text">
     <p:spTree>
       <p:nvGrpSpPr>
-        <p:cNvPr id="39" name="Shape 39"/>
+        <p:cNvPr id="1" name="Shape 39"/>
         <p:cNvGrpSpPr/>
         <p:nvPr/>
       </p:nvGrpSpPr>
@@ -3239,21 +3373,23 @@
             <a:avLst/>
           </a:prstGeom>
           <a:noFill/>
-          <a:ln cap="flat" cmpd="sng" w="19050">
+          <a:ln w="19050" cap="flat" cmpd="sng">
             <a:solidFill>
               <a:schemeClr val="dk2"/>
             </a:solidFill>
             <a:prstDash val="solid"/>
             <a:round/>
-            <a:headEnd len="med" w="med" type="none"/>
-            <a:tailEnd len="med" w="med" type="none"/>
+            <a:headEnd type="none" w="med" len="med"/>
+            <a:tailEnd type="none" w="med" len="med"/>
           </a:ln>
         </p:spPr>
       </p:cxnSp>
       <p:sp>
         <p:nvSpPr>
           <p:cNvPr id="41" name="Shape 41"/>
-          <p:cNvSpPr txBox="1"/>
+          <p:cNvSpPr txBox="1">
+            <a:spLocks noGrp="1"/>
+          </p:cNvSpPr>
           <p:nvPr>
             <p:ph type="title"/>
           </p:nvPr>
@@ -3268,7 +3404,7 @@
           </a:prstGeom>
         </p:spPr>
         <p:txBody>
-          <a:bodyPr anchorCtr="0" anchor="b" bIns="91425" lIns="91425" rIns="91425" tIns="91425"/>
+          <a:bodyPr lIns="91425" tIns="91425" rIns="91425" bIns="91425" anchor="b" anchorCtr="0"/>
           <a:lstStyle>
             <a:lvl1pPr lvl="0">
               <a:spcBef>
@@ -3334,15 +3470,19 @@
               <a:defRPr sz="2400"/>
             </a:lvl9pPr>
           </a:lstStyle>
-          <a:p/>
+          <a:p>
+            <a:endParaRPr/>
+          </a:p>
         </p:txBody>
       </p:sp>
       <p:sp>
         <p:nvSpPr>
           <p:cNvPr id="42" name="Shape 42"/>
-          <p:cNvSpPr txBox="1"/>
+          <p:cNvSpPr txBox="1">
+            <a:spLocks noGrp="1"/>
+          </p:cNvSpPr>
           <p:nvPr>
-            <p:ph idx="1" type="body"/>
+            <p:ph type="body" idx="1"/>
           </p:nvPr>
         </p:nvSpPr>
         <p:spPr>
@@ -3355,7 +3495,7 @@
           </a:prstGeom>
         </p:spPr>
         <p:txBody>
-          <a:bodyPr anchorCtr="0" anchor="t" bIns="91425" lIns="91425" rIns="91425" tIns="91425"/>
+          <a:bodyPr lIns="91425" tIns="91425" rIns="91425" bIns="91425" anchor="t" anchorCtr="0"/>
           <a:lstStyle>
             <a:lvl1pPr lvl="0">
               <a:spcBef>
@@ -3421,15 +3561,19 @@
               <a:defRPr sz="1200"/>
             </a:lvl9pPr>
           </a:lstStyle>
-          <a:p/>
+          <a:p>
+            <a:endParaRPr/>
+          </a:p>
         </p:txBody>
       </p:sp>
       <p:sp>
         <p:nvSpPr>
           <p:cNvPr id="43" name="Shape 43"/>
-          <p:cNvSpPr txBox="1"/>
+          <p:cNvSpPr txBox="1">
+            <a:spLocks noGrp="1"/>
+          </p:cNvSpPr>
           <p:nvPr>
-            <p:ph idx="12" type="sldNum"/>
+            <p:ph type="sldNum" idx="12"/>
           </p:nvPr>
         </p:nvSpPr>
         <p:spPr>
@@ -3442,7 +3586,7 @@
           </a:prstGeom>
         </p:spPr>
         <p:txBody>
-          <a:bodyPr anchorCtr="0" anchor="ctr" bIns="91425" lIns="91425" rIns="91425" tIns="91425">
+          <a:bodyPr lIns="91425" tIns="91425" rIns="91425" bIns="91425" anchor="ctr" anchorCtr="0">
             <a:noAutofit/>
           </a:bodyPr>
           <a:lstStyle/>
@@ -3455,8 +3599,9 @@
             </a:pPr>
             <a:fld id="{00000000-1234-1234-1234-123412341234}" type="slidenum">
               <a:rPr lang="es"/>
-              <a:t>‹#›</a:t>
+              <a:t>‹Nº›</a:t>
             </a:fld>
+            <a:endParaRPr lang="es"/>
           </a:p>
         </p:txBody>
       </p:sp>
@@ -3469,18 +3614,19 @@
 </file>
 
 <file path=ppt/slideLayouts/slideLayout7.xml><?xml version="1.0" encoding="utf-8"?>
-<p:sldLayout xmlns:a="http://schemas.openxmlformats.org/drawingml/2006/main" xmlns:r="http://schemas.openxmlformats.org/officeDocument/2006/relationships" xmlns:mc="http://schemas.openxmlformats.org/markup-compatibility/2006" xmlns:mv="urn:schemas-microsoft-com:mac:vml" xmlns:p="http://schemas.openxmlformats.org/presentationml/2006/main" xmlns:c="http://schemas.openxmlformats.org/drawingml/2006/chart" xmlns:dgm="http://schemas.openxmlformats.org/drawingml/2006/diagram" xmlns:o="urn:schemas-microsoft-com:office:office" xmlns:v="urn:schemas-microsoft-com:vml" xmlns:pvml="urn:schemas-microsoft-com:office:powerpoint" xmlns:com="http://schemas.openxmlformats.org/drawingml/2006/compatibility" xmlns:p14="http://schemas.microsoft.com/office/powerpoint/2010/main">
+<p:sldLayout xmlns:a="http://schemas.openxmlformats.org/drawingml/2006/main" xmlns:r="http://schemas.openxmlformats.org/officeDocument/2006/relationships" xmlns:p="http://schemas.openxmlformats.org/presentationml/2006/main">
   <p:cSld name="Main point">
     <p:bg>
       <p:bgPr>
         <a:solidFill>
           <a:schemeClr val="lt2"/>
         </a:solidFill>
+        <a:effectLst/>
       </p:bgPr>
     </p:bg>
     <p:spTree>
       <p:nvGrpSpPr>
-        <p:cNvPr id="44" name="Shape 44"/>
+        <p:cNvPr id="1" name="Shape 44"/>
         <p:cNvGrpSpPr/>
         <p:nvPr/>
       </p:nvGrpSpPr>
@@ -3507,21 +3653,23 @@
             <a:avLst/>
           </a:prstGeom>
           <a:noFill/>
-          <a:ln cap="flat" cmpd="sng" w="19050">
+          <a:ln w="19050" cap="flat" cmpd="sng">
             <a:solidFill>
               <a:schemeClr val="lt1"/>
             </a:solidFill>
             <a:prstDash val="solid"/>
             <a:round/>
-            <a:headEnd len="med" w="med" type="none"/>
-            <a:tailEnd len="med" w="med" type="none"/>
+            <a:headEnd type="none" w="med" len="med"/>
+            <a:tailEnd type="none" w="med" len="med"/>
           </a:ln>
         </p:spPr>
       </p:cxnSp>
       <p:sp>
         <p:nvSpPr>
           <p:cNvPr id="46" name="Shape 46"/>
-          <p:cNvSpPr txBox="1"/>
+          <p:cNvSpPr txBox="1">
+            <a:spLocks noGrp="1"/>
+          </p:cNvSpPr>
           <p:nvPr>
             <p:ph type="title"/>
           </p:nvPr>
@@ -3536,7 +3684,7 @@
           </a:prstGeom>
         </p:spPr>
         <p:txBody>
-          <a:bodyPr anchorCtr="0" anchor="ctr" bIns="91425" lIns="91425" rIns="91425" tIns="91425"/>
+          <a:bodyPr lIns="91425" tIns="91425" rIns="91425" bIns="91425" anchor="ctr" anchorCtr="0"/>
           <a:lstStyle>
             <a:lvl1pPr lvl="0">
               <a:spcBef>
@@ -3665,15 +3813,19 @@
               </a:defRPr>
             </a:lvl9pPr>
           </a:lstStyle>
-          <a:p/>
+          <a:p>
+            <a:endParaRPr/>
+          </a:p>
         </p:txBody>
       </p:sp>
       <p:sp>
         <p:nvSpPr>
           <p:cNvPr id="47" name="Shape 47"/>
-          <p:cNvSpPr txBox="1"/>
+          <p:cNvSpPr txBox="1">
+            <a:spLocks noGrp="1"/>
+          </p:cNvSpPr>
           <p:nvPr>
-            <p:ph idx="12" type="sldNum"/>
+            <p:ph type="sldNum" idx="12"/>
           </p:nvPr>
         </p:nvSpPr>
         <p:spPr>
@@ -3686,7 +3838,7 @@
           </a:prstGeom>
         </p:spPr>
         <p:txBody>
-          <a:bodyPr anchorCtr="0" anchor="ctr" bIns="91425" lIns="91425" rIns="91425" tIns="91425">
+          <a:bodyPr lIns="91425" tIns="91425" rIns="91425" bIns="91425" anchor="ctr" anchorCtr="0">
             <a:noAutofit/>
           </a:bodyPr>
           <a:lstStyle/>
@@ -3703,8 +3855,13 @@
                   <a:schemeClr val="lt1"/>
                 </a:solidFill>
               </a:rPr>
-              <a:t>‹#›</a:t>
+              <a:t>‹Nº›</a:t>
             </a:fld>
+            <a:endParaRPr lang="es">
+              <a:solidFill>
+                <a:schemeClr val="lt1"/>
+              </a:solidFill>
+            </a:endParaRPr>
           </a:p>
         </p:txBody>
       </p:sp>
@@ -3717,11 +3874,11 @@
 </file>
 
 <file path=ppt/slideLayouts/slideLayout8.xml><?xml version="1.0" encoding="utf-8"?>
-<p:sldLayout xmlns:a="http://schemas.openxmlformats.org/drawingml/2006/main" xmlns:r="http://schemas.openxmlformats.org/officeDocument/2006/relationships" xmlns:mc="http://schemas.openxmlformats.org/markup-compatibility/2006" xmlns:mv="urn:schemas-microsoft-com:mac:vml" xmlns:p="http://schemas.openxmlformats.org/presentationml/2006/main" xmlns:c="http://schemas.openxmlformats.org/drawingml/2006/chart" xmlns:dgm="http://schemas.openxmlformats.org/drawingml/2006/diagram" xmlns:o="urn:schemas-microsoft-com:office:office" xmlns:v="urn:schemas-microsoft-com:vml" xmlns:pvml="urn:schemas-microsoft-com:office:powerpoint" xmlns:com="http://schemas.openxmlformats.org/drawingml/2006/compatibility" xmlns:p14="http://schemas.microsoft.com/office/powerpoint/2010/main">
+<p:sldLayout xmlns:a="http://schemas.openxmlformats.org/drawingml/2006/main" xmlns:r="http://schemas.openxmlformats.org/officeDocument/2006/relationships" xmlns:p="http://schemas.openxmlformats.org/presentationml/2006/main">
   <p:cSld name="Section title and description">
     <p:spTree>
       <p:nvGrpSpPr>
-        <p:cNvPr id="48" name="Shape 48"/>
+        <p:cNvPr id="1" name="Shape 48"/>
         <p:cNvGrpSpPr/>
         <p:nvPr/>
       </p:nvGrpSpPr>
@@ -3755,7 +3912,7 @@
           </a:ln>
         </p:spPr>
         <p:txBody>
-          <a:bodyPr anchorCtr="0" anchor="ctr" bIns="91425" lIns="91425" rIns="91425" tIns="91425">
+          <a:bodyPr lIns="91425" tIns="91425" rIns="91425" bIns="91425" anchor="ctr" anchorCtr="0">
             <a:noAutofit/>
           </a:bodyPr>
           <a:lstStyle/>
@@ -3766,9 +3923,6 @@
               </a:spcBef>
               <a:buNone/>
             </a:pPr>
-            <a:r>
-              <a:t/>
-            </a:r>
             <a:endParaRPr/>
           </a:p>
         </p:txBody>
@@ -3788,21 +3942,23 @@
             <a:avLst/>
           </a:prstGeom>
           <a:noFill/>
-          <a:ln cap="flat" cmpd="sng" w="19050">
+          <a:ln w="19050" cap="flat" cmpd="sng">
             <a:solidFill>
               <a:schemeClr val="lt1"/>
             </a:solidFill>
             <a:prstDash val="solid"/>
             <a:round/>
-            <a:headEnd len="med" w="med" type="none"/>
-            <a:tailEnd len="med" w="med" type="none"/>
+            <a:headEnd type="none" w="med" len="med"/>
+            <a:tailEnd type="none" w="med" len="med"/>
           </a:ln>
         </p:spPr>
       </p:cxnSp>
       <p:sp>
         <p:nvSpPr>
           <p:cNvPr id="51" name="Shape 51"/>
-          <p:cNvSpPr txBox="1"/>
+          <p:cNvSpPr txBox="1">
+            <a:spLocks noGrp="1"/>
+          </p:cNvSpPr>
           <p:nvPr>
             <p:ph type="title"/>
           </p:nvPr>
@@ -3817,7 +3973,7 @@
           </a:prstGeom>
         </p:spPr>
         <p:txBody>
-          <a:bodyPr anchorCtr="0" anchor="b" bIns="91425" lIns="91425" rIns="91425" tIns="91425"/>
+          <a:bodyPr lIns="91425" tIns="91425" rIns="91425" bIns="91425" anchor="b" anchorCtr="0"/>
           <a:lstStyle>
             <a:lvl1pPr lvl="0" algn="ctr">
               <a:spcBef>
@@ -3946,15 +4102,19 @@
               </a:defRPr>
             </a:lvl9pPr>
           </a:lstStyle>
-          <a:p/>
+          <a:p>
+            <a:endParaRPr/>
+          </a:p>
         </p:txBody>
       </p:sp>
       <p:sp>
         <p:nvSpPr>
           <p:cNvPr id="52" name="Shape 52"/>
-          <p:cNvSpPr txBox="1"/>
+          <p:cNvSpPr txBox="1">
+            <a:spLocks noGrp="1"/>
+          </p:cNvSpPr>
           <p:nvPr>
-            <p:ph idx="1" type="subTitle"/>
+            <p:ph type="subTitle" idx="1"/>
           </p:nvPr>
         </p:nvSpPr>
         <p:spPr>
@@ -3967,7 +4127,7 @@
           </a:prstGeom>
         </p:spPr>
         <p:txBody>
-          <a:bodyPr anchorCtr="0" anchor="t" bIns="91425" lIns="91425" rIns="91425" tIns="91425"/>
+          <a:bodyPr lIns="91425" tIns="91425" rIns="91425" bIns="91425" anchor="t" anchorCtr="0"/>
           <a:lstStyle>
             <a:lvl1pPr lvl="0" algn="ctr">
               <a:lnSpc>
@@ -4096,15 +4256,19 @@
               <a:defRPr sz="2100"/>
             </a:lvl9pPr>
           </a:lstStyle>
-          <a:p/>
+          <a:p>
+            <a:endParaRPr/>
+          </a:p>
         </p:txBody>
       </p:sp>
       <p:sp>
         <p:nvSpPr>
           <p:cNvPr id="53" name="Shape 53"/>
-          <p:cNvSpPr txBox="1"/>
+          <p:cNvSpPr txBox="1">
+            <a:spLocks noGrp="1"/>
+          </p:cNvSpPr>
           <p:nvPr>
-            <p:ph idx="2" type="body"/>
+            <p:ph type="body" idx="2"/>
           </p:nvPr>
         </p:nvSpPr>
         <p:spPr>
@@ -4117,7 +4281,7 @@
           </a:prstGeom>
         </p:spPr>
         <p:txBody>
-          <a:bodyPr anchorCtr="0" anchor="ctr" bIns="91425" lIns="91425" rIns="91425" tIns="91425"/>
+          <a:bodyPr lIns="91425" tIns="91425" rIns="91425" bIns="91425" anchor="ctr" anchorCtr="0"/>
           <a:lstStyle>
             <a:lvl1pPr lvl="0">
               <a:spcBef>
@@ -4237,15 +4401,19 @@
               </a:defRPr>
             </a:lvl9pPr>
           </a:lstStyle>
-          <a:p/>
+          <a:p>
+            <a:endParaRPr/>
+          </a:p>
         </p:txBody>
       </p:sp>
       <p:sp>
         <p:nvSpPr>
           <p:cNvPr id="54" name="Shape 54"/>
-          <p:cNvSpPr txBox="1"/>
+          <p:cNvSpPr txBox="1">
+            <a:spLocks noGrp="1"/>
+          </p:cNvSpPr>
           <p:nvPr>
-            <p:ph idx="12" type="sldNum"/>
+            <p:ph type="sldNum" idx="12"/>
           </p:nvPr>
         </p:nvSpPr>
         <p:spPr>
@@ -4258,7 +4426,7 @@
           </a:prstGeom>
         </p:spPr>
         <p:txBody>
-          <a:bodyPr anchorCtr="0" anchor="ctr" bIns="91425" lIns="91425" rIns="91425" tIns="91425">
+          <a:bodyPr lIns="91425" tIns="91425" rIns="91425" bIns="91425" anchor="ctr" anchorCtr="0">
             <a:noAutofit/>
           </a:bodyPr>
           <a:lstStyle/>
@@ -4275,8 +4443,13 @@
                   <a:schemeClr val="lt1"/>
                 </a:solidFill>
               </a:rPr>
-              <a:t>‹#›</a:t>
+              <a:t>‹Nº›</a:t>
             </a:fld>
+            <a:endParaRPr lang="es">
+              <a:solidFill>
+                <a:schemeClr val="lt1"/>
+              </a:solidFill>
+            </a:endParaRPr>
           </a:p>
         </p:txBody>
       </p:sp>
@@ -4289,11 +4462,11 @@
 </file>
 
 <file path=ppt/slideLayouts/slideLayout9.xml><?xml version="1.0" encoding="utf-8"?>
-<p:sldLayout xmlns:a="http://schemas.openxmlformats.org/drawingml/2006/main" xmlns:r="http://schemas.openxmlformats.org/officeDocument/2006/relationships" xmlns:mc="http://schemas.openxmlformats.org/markup-compatibility/2006" xmlns:mv="urn:schemas-microsoft-com:mac:vml" xmlns:p="http://schemas.openxmlformats.org/presentationml/2006/main" xmlns:c="http://schemas.openxmlformats.org/drawingml/2006/chart" xmlns:dgm="http://schemas.openxmlformats.org/drawingml/2006/diagram" xmlns:o="urn:schemas-microsoft-com:office:office" xmlns:v="urn:schemas-microsoft-com:vml" xmlns:pvml="urn:schemas-microsoft-com:office:powerpoint" xmlns:com="http://schemas.openxmlformats.org/drawingml/2006/compatibility" xmlns:p14="http://schemas.microsoft.com/office/powerpoint/2010/main">
+<p:sldLayout xmlns:a="http://schemas.openxmlformats.org/drawingml/2006/main" xmlns:r="http://schemas.openxmlformats.org/officeDocument/2006/relationships" xmlns:p="http://schemas.openxmlformats.org/presentationml/2006/main">
   <p:cSld name="Caption">
     <p:spTree>
       <p:nvGrpSpPr>
-        <p:cNvPr id="55" name="Shape 55"/>
+        <p:cNvPr id="1" name="Shape 55"/>
         <p:cNvGrpSpPr/>
         <p:nvPr/>
       </p:nvGrpSpPr>
@@ -4320,14 +4493,14 @@
             <a:avLst/>
           </a:prstGeom>
           <a:noFill/>
-          <a:ln cap="flat" cmpd="sng" w="19050">
+          <a:ln w="19050" cap="flat" cmpd="sng">
             <a:solidFill>
               <a:schemeClr val="dk2"/>
             </a:solidFill>
             <a:prstDash val="solid"/>
             <a:round/>
-            <a:headEnd len="med" w="med" type="none"/>
-            <a:tailEnd len="med" w="med" type="none"/>
+            <a:headEnd type="none" w="med" len="med"/>
+            <a:tailEnd type="none" w="med" len="med"/>
           </a:ln>
         </p:spPr>
       </p:cxnSp>
@@ -4346,23 +4519,25 @@
             <a:avLst/>
           </a:prstGeom>
           <a:noFill/>
-          <a:ln cap="flat" cmpd="sng" w="19050">
+          <a:ln w="19050" cap="flat" cmpd="sng">
             <a:solidFill>
               <a:schemeClr val="dk2"/>
             </a:solidFill>
             <a:prstDash val="solid"/>
             <a:round/>
-            <a:headEnd len="med" w="med" type="none"/>
-            <a:tailEnd len="med" w="med" type="none"/>
+            <a:headEnd type="none" w="med" len="med"/>
+            <a:tailEnd type="none" w="med" len="med"/>
           </a:ln>
         </p:spPr>
       </p:cxnSp>
       <p:sp>
         <p:nvSpPr>
           <p:cNvPr id="58" name="Shape 58"/>
-          <p:cNvSpPr txBox="1"/>
+          <p:cNvSpPr txBox="1">
+            <a:spLocks noGrp="1"/>
+          </p:cNvSpPr>
           <p:nvPr>
-            <p:ph idx="1" type="body"/>
+            <p:ph type="body" idx="1"/>
           </p:nvPr>
         </p:nvSpPr>
         <p:spPr>
@@ -4375,7 +4550,7 @@
           </a:prstGeom>
         </p:spPr>
         <p:txBody>
-          <a:bodyPr anchorCtr="0" anchor="ctr" bIns="91425" lIns="91425" rIns="91425" tIns="91425"/>
+          <a:bodyPr lIns="91425" tIns="91425" rIns="91425" bIns="91425" anchor="ctr" anchorCtr="0"/>
           <a:lstStyle>
             <a:lvl1pPr lvl="0">
               <a:lnSpc>
@@ -4391,15 +4566,19 @@
               <a:defRPr/>
             </a:lvl1pPr>
           </a:lstStyle>
-          <a:p/>
+          <a:p>
+            <a:endParaRPr/>
+          </a:p>
         </p:txBody>
       </p:sp>
       <p:sp>
         <p:nvSpPr>
           <p:cNvPr id="59" name="Shape 59"/>
-          <p:cNvSpPr txBox="1"/>
+          <p:cNvSpPr txBox="1">
+            <a:spLocks noGrp="1"/>
+          </p:cNvSpPr>
           <p:nvPr>
-            <p:ph idx="12" type="sldNum"/>
+            <p:ph type="sldNum" idx="12"/>
           </p:nvPr>
         </p:nvSpPr>
         <p:spPr>
@@ -4412,7 +4591,7 @@
           </a:prstGeom>
         </p:spPr>
         <p:txBody>
-          <a:bodyPr anchorCtr="0" anchor="ctr" bIns="91425" lIns="91425" rIns="91425" tIns="91425">
+          <a:bodyPr lIns="91425" tIns="91425" rIns="91425" bIns="91425" anchor="ctr" anchorCtr="0">
             <a:noAutofit/>
           </a:bodyPr>
           <a:lstStyle/>
@@ -4425,8 +4604,9 @@
             </a:pPr>
             <a:fld id="{00000000-1234-1234-1234-123412341234}" type="slidenum">
               <a:rPr lang="es"/>
-              <a:t>‹#›</a:t>
+              <a:t>‹Nº›</a:t>
             </a:fld>
+            <a:endParaRPr lang="es"/>
           </a:p>
         </p:txBody>
       </p:sp>
@@ -4439,18 +4619,19 @@
 </file>
 
 <file path=ppt/slideMasters/slideMaster1.xml><?xml version="1.0" encoding="utf-8"?>
-<p:sldMaster xmlns:a="http://schemas.openxmlformats.org/drawingml/2006/main" xmlns:r="http://schemas.openxmlformats.org/officeDocument/2006/relationships" xmlns:mc="http://schemas.openxmlformats.org/markup-compatibility/2006" xmlns:mv="urn:schemas-microsoft-com:mac:vml" xmlns:p="http://schemas.openxmlformats.org/presentationml/2006/main" xmlns:c="http://schemas.openxmlformats.org/drawingml/2006/chart" xmlns:dgm="http://schemas.openxmlformats.org/drawingml/2006/diagram" xmlns:o="urn:schemas-microsoft-com:office:office" xmlns:v="urn:schemas-microsoft-com:vml" xmlns:pvml="urn:schemas-microsoft-com:office:powerpoint" xmlns:com="http://schemas.openxmlformats.org/drawingml/2006/compatibility" xmlns:p14="http://schemas.microsoft.com/office/powerpoint/2010/main">
+<p:sldMaster xmlns:a="http://schemas.openxmlformats.org/drawingml/2006/main" xmlns:r="http://schemas.openxmlformats.org/officeDocument/2006/relationships" xmlns:p="http://schemas.openxmlformats.org/presentationml/2006/main">
   <p:cSld>
     <p:bg>
       <p:bgPr>
         <a:solidFill>
           <a:schemeClr val="lt1"/>
         </a:solidFill>
+        <a:effectLst/>
       </p:bgPr>
     </p:bg>
     <p:spTree>
       <p:nvGrpSpPr>
-        <p:cNvPr id="5" name="Shape 5"/>
+        <p:cNvPr id="1" name="Shape 5"/>
         <p:cNvGrpSpPr/>
         <p:nvPr/>
       </p:nvGrpSpPr>
@@ -4465,7 +4646,9 @@
       <p:sp>
         <p:nvSpPr>
           <p:cNvPr id="6" name="Shape 6"/>
-          <p:cNvSpPr txBox="1"/>
+          <p:cNvSpPr txBox="1">
+            <a:spLocks noGrp="1"/>
+          </p:cNvSpPr>
           <p:nvPr>
             <p:ph type="title"/>
           </p:nvPr>
@@ -4484,7 +4667,7 @@
           </a:ln>
         </p:spPr>
         <p:txBody>
-          <a:bodyPr anchorCtr="0" anchor="t" bIns="91425" lIns="91425" rIns="91425" tIns="91425"/>
+          <a:bodyPr lIns="91425" tIns="91425" rIns="91425" bIns="91425" anchor="t" anchorCtr="0"/>
           <a:lstStyle>
             <a:lvl1pPr lvl="0">
               <a:spcBef>
@@ -4496,7 +4679,7 @@
               <a:buSzPct val="100000"/>
               <a:buFont typeface="Raleway"/>
               <a:buNone/>
-              <a:defRPr b="1" sz="3000">
+              <a:defRPr sz="3000" b="1">
                 <a:solidFill>
                   <a:schemeClr val="dk2"/>
                 </a:solidFill>
@@ -4516,7 +4699,7 @@
               <a:buSzPct val="100000"/>
               <a:buFont typeface="Raleway"/>
               <a:buNone/>
-              <a:defRPr b="1" sz="3000">
+              <a:defRPr sz="3000" b="1">
                 <a:solidFill>
                   <a:schemeClr val="dk2"/>
                 </a:solidFill>
@@ -4536,7 +4719,7 @@
               <a:buSzPct val="100000"/>
               <a:buFont typeface="Raleway"/>
               <a:buNone/>
-              <a:defRPr b="1" sz="3000">
+              <a:defRPr sz="3000" b="1">
                 <a:solidFill>
                   <a:schemeClr val="dk2"/>
                 </a:solidFill>
@@ -4556,7 +4739,7 @@
               <a:buSzPct val="100000"/>
               <a:buFont typeface="Raleway"/>
               <a:buNone/>
-              <a:defRPr b="1" sz="3000">
+              <a:defRPr sz="3000" b="1">
                 <a:solidFill>
                   <a:schemeClr val="dk2"/>
                 </a:solidFill>
@@ -4576,7 +4759,7 @@
               <a:buSzPct val="100000"/>
               <a:buFont typeface="Raleway"/>
               <a:buNone/>
-              <a:defRPr b="1" sz="3000">
+              <a:defRPr sz="3000" b="1">
                 <a:solidFill>
                   <a:schemeClr val="dk2"/>
                 </a:solidFill>
@@ -4596,7 +4779,7 @@
               <a:buSzPct val="100000"/>
               <a:buFont typeface="Raleway"/>
               <a:buNone/>
-              <a:defRPr b="1" sz="3000">
+              <a:defRPr sz="3000" b="1">
                 <a:solidFill>
                   <a:schemeClr val="dk2"/>
                 </a:solidFill>
@@ -4616,7 +4799,7 @@
               <a:buSzPct val="100000"/>
               <a:buFont typeface="Raleway"/>
               <a:buNone/>
-              <a:defRPr b="1" sz="3000">
+              <a:defRPr sz="3000" b="1">
                 <a:solidFill>
                   <a:schemeClr val="dk2"/>
                 </a:solidFill>
@@ -4636,7 +4819,7 @@
               <a:buSzPct val="100000"/>
               <a:buFont typeface="Raleway"/>
               <a:buNone/>
-              <a:defRPr b="1" sz="3000">
+              <a:defRPr sz="3000" b="1">
                 <a:solidFill>
                   <a:schemeClr val="dk2"/>
                 </a:solidFill>
@@ -4656,7 +4839,7 @@
               <a:buSzPct val="100000"/>
               <a:buFont typeface="Raleway"/>
               <a:buNone/>
-              <a:defRPr b="1" sz="3000">
+              <a:defRPr sz="3000" b="1">
                 <a:solidFill>
                   <a:schemeClr val="dk2"/>
                 </a:solidFill>
@@ -4667,15 +4850,19 @@
               </a:defRPr>
             </a:lvl9pPr>
           </a:lstStyle>
-          <a:p/>
+          <a:p>
+            <a:endParaRPr/>
+          </a:p>
         </p:txBody>
       </p:sp>
       <p:sp>
         <p:nvSpPr>
           <p:cNvPr id="7" name="Shape 7"/>
-          <p:cNvSpPr txBox="1"/>
+          <p:cNvSpPr txBox="1">
+            <a:spLocks noGrp="1"/>
+          </p:cNvSpPr>
           <p:nvPr>
-            <p:ph idx="1" type="body"/>
+            <p:ph type="body" idx="1"/>
           </p:nvPr>
         </p:nvSpPr>
         <p:spPr>
@@ -4692,7 +4879,7 @@
           </a:ln>
         </p:spPr>
         <p:txBody>
-          <a:bodyPr anchorCtr="0" anchor="t" bIns="91425" lIns="91425" rIns="91425" tIns="91425"/>
+          <a:bodyPr lIns="91425" tIns="91425" rIns="91425" bIns="91425" anchor="t" anchorCtr="0"/>
           <a:lstStyle>
             <a:lvl1pPr lvl="0">
               <a:lnSpc>
@@ -4912,15 +5099,19 @@
               </a:defRPr>
             </a:lvl9pPr>
           </a:lstStyle>
-          <a:p/>
+          <a:p>
+            <a:endParaRPr/>
+          </a:p>
         </p:txBody>
       </p:sp>
       <p:sp>
         <p:nvSpPr>
           <p:cNvPr id="8" name="Shape 8"/>
-          <p:cNvSpPr txBox="1"/>
+          <p:cNvSpPr txBox="1">
+            <a:spLocks noGrp="1"/>
+          </p:cNvSpPr>
           <p:nvPr>
-            <p:ph idx="12" type="sldNum"/>
+            <p:ph type="sldNum" idx="12"/>
           </p:nvPr>
         </p:nvSpPr>
         <p:spPr>
@@ -4937,7 +5128,7 @@
           </a:ln>
         </p:spPr>
         <p:txBody>
-          <a:bodyPr anchorCtr="0" anchor="ctr" bIns="91425" lIns="91425" rIns="91425" tIns="91425">
+          <a:bodyPr lIns="91425" tIns="91425" rIns="91425" bIns="91425" anchor="ctr" anchorCtr="0">
             <a:noAutofit/>
           </a:bodyPr>
           <a:lstStyle/>
@@ -4958,14 +5149,23 @@
                 <a:cs typeface="Lato"/>
                 <a:sym typeface="Lato"/>
               </a:rPr>
-              <a:t>‹#›</a:t>
+              <a:t>‹Nº›</a:t>
             </a:fld>
+            <a:endParaRPr lang="es" sz="1000">
+              <a:solidFill>
+                <a:schemeClr val="dk2"/>
+              </a:solidFill>
+              <a:latin typeface="Lato"/>
+              <a:ea typeface="Lato"/>
+              <a:cs typeface="Lato"/>
+              <a:sym typeface="Lato"/>
+            </a:endParaRPr>
           </a:p>
         </p:txBody>
       </p:sp>
     </p:spTree>
   </p:cSld>
-  <p:clrMap accent1="accent1" accent2="accent2" accent3="accent3" accent4="accent4" accent5="accent5" accent6="accent6" bg1="lt1" bg2="dk2" tx1="dk1" tx2="lt2" folHlink="folHlink" hlink="hlink"/>
+  <p:clrMap bg1="lt1" tx1="dk1" bg2="dk2" tx2="lt2" accent1="accent1" accent2="accent2" accent3="accent3" accent4="accent4" accent5="accent5" accent6="accent6" hlink="hlink" folHlink="folHlink"/>
   <p:sldLayoutIdLst>
     <p:sldLayoutId id="2147483648" r:id="rId1"/>
     <p:sldLayoutId id="2147483649" r:id="rId2"/>
@@ -4979,10 +5179,10 @@
     <p:sldLayoutId id="2147483657" r:id="rId10"/>
     <p:sldLayoutId id="2147483658" r:id="rId11"/>
   </p:sldLayoutIdLst>
-  <p:hf dt="0" ftr="0" hdr="0" sldNum="0"/>
+  <p:hf sldNum="0" hdr="0" ftr="0" dt="0"/>
   <p:txStyles>
     <p:titleStyle>
-      <a:defPPr lvl="0" marR="0" rtl="0" algn="l">
+      <a:defPPr marR="0" lvl="0" algn="l" rtl="0">
         <a:lnSpc>
           <a:spcPct val="100000"/>
         </a:lnSpc>
@@ -4993,7 +5193,7 @@
           <a:spcPts val="0"/>
         </a:spcAft>
       </a:defPPr>
-      <a:lvl1pPr lvl="0" marR="0" rtl="0" algn="l">
+      <a:lvl1pPr marR="0" lvl="0" algn="l" rtl="0">
         <a:lnSpc>
           <a:spcPct val="100000"/>
         </a:lnSpc>
@@ -5004,7 +5204,7 @@
           <a:spcPts val="0"/>
         </a:spcAft>
         <a:buNone/>
-        <a:defRPr b="0" i="0" sz="1400" u="none" cap="none" strike="noStrike">
+        <a:defRPr sz="1400" b="0" i="0" u="none" strike="noStrike" cap="none">
           <a:solidFill>
             <a:srgbClr val="000000"/>
           </a:solidFill>
@@ -5016,7 +5216,7 @@
       </a:lvl1pPr>
     </p:titleStyle>
     <p:bodyStyle>
-      <a:defPPr lvl="0" marR="0" rtl="0" algn="l">
+      <a:defPPr marR="0" lvl="0" algn="l" rtl="0">
         <a:lnSpc>
           <a:spcPct val="100000"/>
         </a:lnSpc>
@@ -5027,7 +5227,7 @@
           <a:spcPts val="0"/>
         </a:spcAft>
       </a:defPPr>
-      <a:lvl1pPr lvl="0" marR="0" rtl="0" algn="l">
+      <a:lvl1pPr marR="0" lvl="0" algn="l" rtl="0">
         <a:lnSpc>
           <a:spcPct val="100000"/>
         </a:lnSpc>
@@ -5038,7 +5238,7 @@
           <a:spcPts val="0"/>
         </a:spcAft>
         <a:buNone/>
-        <a:defRPr b="0" i="0" sz="1400" u="none" cap="none" strike="noStrike">
+        <a:defRPr sz="1400" b="0" i="0" u="none" strike="noStrike" cap="none">
           <a:solidFill>
             <a:srgbClr val="000000"/>
           </a:solidFill>
@@ -5048,7 +5248,7 @@
           <a:sym typeface="Arial"/>
         </a:defRPr>
       </a:lvl1pPr>
-      <a:lvl2pPr lvl="1" marR="0" rtl="0" algn="l">
+      <a:lvl2pPr marR="0" lvl="1" algn="l" rtl="0">
         <a:lnSpc>
           <a:spcPct val="100000"/>
         </a:lnSpc>
@@ -5059,7 +5259,7 @@
           <a:spcPts val="0"/>
         </a:spcAft>
         <a:buNone/>
-        <a:defRPr b="0" i="0" sz="1400" u="none" cap="none" strike="noStrike">
+        <a:defRPr sz="1400" b="0" i="0" u="none" strike="noStrike" cap="none">
           <a:solidFill>
             <a:srgbClr val="000000"/>
           </a:solidFill>
@@ -5069,7 +5269,7 @@
           <a:sym typeface="Arial"/>
         </a:defRPr>
       </a:lvl2pPr>
-      <a:lvl3pPr lvl="2" marR="0" rtl="0" algn="l">
+      <a:lvl3pPr marR="0" lvl="2" algn="l" rtl="0">
         <a:lnSpc>
           <a:spcPct val="100000"/>
         </a:lnSpc>
@@ -5080,7 +5280,7 @@
           <a:spcPts val="0"/>
         </a:spcAft>
         <a:buNone/>
-        <a:defRPr b="0" i="0" sz="1400" u="none" cap="none" strike="noStrike">
+        <a:defRPr sz="1400" b="0" i="0" u="none" strike="noStrike" cap="none">
           <a:solidFill>
             <a:srgbClr val="000000"/>
           </a:solidFill>
@@ -5090,7 +5290,7 @@
           <a:sym typeface="Arial"/>
         </a:defRPr>
       </a:lvl3pPr>
-      <a:lvl4pPr lvl="3" marR="0" rtl="0" algn="l">
+      <a:lvl4pPr marR="0" lvl="3" algn="l" rtl="0">
         <a:lnSpc>
           <a:spcPct val="100000"/>
         </a:lnSpc>
@@ -5101,7 +5301,7 @@
           <a:spcPts val="0"/>
         </a:spcAft>
         <a:buNone/>
-        <a:defRPr b="0" i="0" sz="1400" u="none" cap="none" strike="noStrike">
+        <a:defRPr sz="1400" b="0" i="0" u="none" strike="noStrike" cap="none">
           <a:solidFill>
             <a:srgbClr val="000000"/>
           </a:solidFill>
@@ -5111,7 +5311,7 @@
           <a:sym typeface="Arial"/>
         </a:defRPr>
       </a:lvl4pPr>
-      <a:lvl5pPr lvl="4" marR="0" rtl="0" algn="l">
+      <a:lvl5pPr marR="0" lvl="4" algn="l" rtl="0">
         <a:lnSpc>
           <a:spcPct val="100000"/>
         </a:lnSpc>
@@ -5122,7 +5322,7 @@
           <a:spcPts val="0"/>
         </a:spcAft>
         <a:buNone/>
-        <a:defRPr b="0" i="0" sz="1400" u="none" cap="none" strike="noStrike">
+        <a:defRPr sz="1400" b="0" i="0" u="none" strike="noStrike" cap="none">
           <a:solidFill>
             <a:srgbClr val="000000"/>
           </a:solidFill>
@@ -5132,7 +5332,7 @@
           <a:sym typeface="Arial"/>
         </a:defRPr>
       </a:lvl5pPr>
-      <a:lvl6pPr lvl="5" marR="0" rtl="0" algn="l">
+      <a:lvl6pPr marR="0" lvl="5" algn="l" rtl="0">
         <a:lnSpc>
           <a:spcPct val="100000"/>
         </a:lnSpc>
@@ -5143,7 +5343,7 @@
           <a:spcPts val="0"/>
         </a:spcAft>
         <a:buNone/>
-        <a:defRPr b="0" i="0" sz="1400" u="none" cap="none" strike="noStrike">
+        <a:defRPr sz="1400" b="0" i="0" u="none" strike="noStrike" cap="none">
           <a:solidFill>
             <a:srgbClr val="000000"/>
           </a:solidFill>
@@ -5153,7 +5353,7 @@
           <a:sym typeface="Arial"/>
         </a:defRPr>
       </a:lvl6pPr>
-      <a:lvl7pPr lvl="6" marR="0" rtl="0" algn="l">
+      <a:lvl7pPr marR="0" lvl="6" algn="l" rtl="0">
         <a:lnSpc>
           <a:spcPct val="100000"/>
         </a:lnSpc>
@@ -5164,7 +5364,7 @@
           <a:spcPts val="0"/>
         </a:spcAft>
         <a:buNone/>
-        <a:defRPr b="0" i="0" sz="1400" u="none" cap="none" strike="noStrike">
+        <a:defRPr sz="1400" b="0" i="0" u="none" strike="noStrike" cap="none">
           <a:solidFill>
             <a:srgbClr val="000000"/>
           </a:solidFill>
@@ -5174,7 +5374,7 @@
           <a:sym typeface="Arial"/>
         </a:defRPr>
       </a:lvl7pPr>
-      <a:lvl8pPr lvl="7" marR="0" rtl="0" algn="l">
+      <a:lvl8pPr marR="0" lvl="7" algn="l" rtl="0">
         <a:lnSpc>
           <a:spcPct val="100000"/>
         </a:lnSpc>
@@ -5185,7 +5385,7 @@
           <a:spcPts val="0"/>
         </a:spcAft>
         <a:buNone/>
-        <a:defRPr b="0" i="0" sz="1400" u="none" cap="none" strike="noStrike">
+        <a:defRPr sz="1400" b="0" i="0" u="none" strike="noStrike" cap="none">
           <a:solidFill>
             <a:srgbClr val="000000"/>
           </a:solidFill>
@@ -5195,7 +5395,7 @@
           <a:sym typeface="Arial"/>
         </a:defRPr>
       </a:lvl8pPr>
-      <a:lvl9pPr lvl="8" marR="0" rtl="0" algn="l">
+      <a:lvl9pPr marR="0" lvl="8" algn="l" rtl="0">
         <a:lnSpc>
           <a:spcPct val="100000"/>
         </a:lnSpc>
@@ -5206,7 +5406,7 @@
           <a:spcPts val="0"/>
         </a:spcAft>
         <a:buNone/>
-        <a:defRPr b="0" i="0" sz="1400" u="none" cap="none" strike="noStrike">
+        <a:defRPr sz="1400" b="0" i="0" u="none" strike="noStrike" cap="none">
           <a:solidFill>
             <a:srgbClr val="000000"/>
           </a:solidFill>
@@ -5218,7 +5418,7 @@
       </a:lvl9pPr>
     </p:bodyStyle>
     <p:otherStyle>
-      <a:defPPr lvl="0" marR="0" rtl="0" algn="l">
+      <a:defPPr marR="0" lvl="0" algn="l" rtl="0">
         <a:lnSpc>
           <a:spcPct val="100000"/>
         </a:lnSpc>
@@ -5229,7 +5429,7 @@
           <a:spcPts val="0"/>
         </a:spcAft>
       </a:defPPr>
-      <a:lvl1pPr lvl="0" marR="0" rtl="0" algn="l">
+      <a:lvl1pPr marR="0" lvl="0" algn="l" rtl="0">
         <a:lnSpc>
           <a:spcPct val="100000"/>
         </a:lnSpc>
@@ -5240,7 +5440,7 @@
           <a:spcPts val="0"/>
         </a:spcAft>
         <a:buNone/>
-        <a:defRPr b="0" i="0" sz="1400" u="none" cap="none" strike="noStrike">
+        <a:defRPr sz="1400" b="0" i="0" u="none" strike="noStrike" cap="none">
           <a:solidFill>
             <a:srgbClr val="000000"/>
           </a:solidFill>
@@ -5250,7 +5450,7 @@
           <a:sym typeface="Arial"/>
         </a:defRPr>
       </a:lvl1pPr>
-      <a:lvl2pPr lvl="1" marR="0" rtl="0" algn="l">
+      <a:lvl2pPr marR="0" lvl="1" algn="l" rtl="0">
         <a:lnSpc>
           <a:spcPct val="100000"/>
         </a:lnSpc>
@@ -5261,7 +5461,7 @@
           <a:spcPts val="0"/>
         </a:spcAft>
         <a:buNone/>
-        <a:defRPr b="0" i="0" sz="1400" u="none" cap="none" strike="noStrike">
+        <a:defRPr sz="1400" b="0" i="0" u="none" strike="noStrike" cap="none">
           <a:solidFill>
             <a:srgbClr val="000000"/>
           </a:solidFill>
@@ -5271,7 +5471,7 @@
           <a:sym typeface="Arial"/>
         </a:defRPr>
       </a:lvl2pPr>
-      <a:lvl3pPr lvl="2" marR="0" rtl="0" algn="l">
+      <a:lvl3pPr marR="0" lvl="2" algn="l" rtl="0">
         <a:lnSpc>
           <a:spcPct val="100000"/>
         </a:lnSpc>
@@ -5282,7 +5482,7 @@
           <a:spcPts val="0"/>
         </a:spcAft>
         <a:buNone/>
-        <a:defRPr b="0" i="0" sz="1400" u="none" cap="none" strike="noStrike">
+        <a:defRPr sz="1400" b="0" i="0" u="none" strike="noStrike" cap="none">
           <a:solidFill>
             <a:srgbClr val="000000"/>
           </a:solidFill>
@@ -5292,7 +5492,7 @@
           <a:sym typeface="Arial"/>
         </a:defRPr>
       </a:lvl3pPr>
-      <a:lvl4pPr lvl="3" marR="0" rtl="0" algn="l">
+      <a:lvl4pPr marR="0" lvl="3" algn="l" rtl="0">
         <a:lnSpc>
           <a:spcPct val="100000"/>
         </a:lnSpc>
@@ -5303,7 +5503,7 @@
           <a:spcPts val="0"/>
         </a:spcAft>
         <a:buNone/>
-        <a:defRPr b="0" i="0" sz="1400" u="none" cap="none" strike="noStrike">
+        <a:defRPr sz="1400" b="0" i="0" u="none" strike="noStrike" cap="none">
           <a:solidFill>
             <a:srgbClr val="000000"/>
           </a:solidFill>
@@ -5313,7 +5513,7 @@
           <a:sym typeface="Arial"/>
         </a:defRPr>
       </a:lvl4pPr>
-      <a:lvl5pPr lvl="4" marR="0" rtl="0" algn="l">
+      <a:lvl5pPr marR="0" lvl="4" algn="l" rtl="0">
         <a:lnSpc>
           <a:spcPct val="100000"/>
         </a:lnSpc>
@@ -5324,7 +5524,7 @@
           <a:spcPts val="0"/>
         </a:spcAft>
         <a:buNone/>
-        <a:defRPr b="0" i="0" sz="1400" u="none" cap="none" strike="noStrike">
+        <a:defRPr sz="1400" b="0" i="0" u="none" strike="noStrike" cap="none">
           <a:solidFill>
             <a:srgbClr val="000000"/>
           </a:solidFill>
@@ -5334,7 +5534,7 @@
           <a:sym typeface="Arial"/>
         </a:defRPr>
       </a:lvl5pPr>
-      <a:lvl6pPr lvl="5" marR="0" rtl="0" algn="l">
+      <a:lvl6pPr marR="0" lvl="5" algn="l" rtl="0">
         <a:lnSpc>
           <a:spcPct val="100000"/>
         </a:lnSpc>
@@ -5345,7 +5545,7 @@
           <a:spcPts val="0"/>
         </a:spcAft>
         <a:buNone/>
-        <a:defRPr b="0" i="0" sz="1400" u="none" cap="none" strike="noStrike">
+        <a:defRPr sz="1400" b="0" i="0" u="none" strike="noStrike" cap="none">
           <a:solidFill>
             <a:srgbClr val="000000"/>
           </a:solidFill>
@@ -5355,7 +5555,7 @@
           <a:sym typeface="Arial"/>
         </a:defRPr>
       </a:lvl6pPr>
-      <a:lvl7pPr lvl="6" marR="0" rtl="0" algn="l">
+      <a:lvl7pPr marR="0" lvl="6" algn="l" rtl="0">
         <a:lnSpc>
           <a:spcPct val="100000"/>
         </a:lnSpc>
@@ -5366,7 +5566,7 @@
           <a:spcPts val="0"/>
         </a:spcAft>
         <a:buNone/>
-        <a:defRPr b="0" i="0" sz="1400" u="none" cap="none" strike="noStrike">
+        <a:defRPr sz="1400" b="0" i="0" u="none" strike="noStrike" cap="none">
           <a:solidFill>
             <a:srgbClr val="000000"/>
           </a:solidFill>
@@ -5376,7 +5576,7 @@
           <a:sym typeface="Arial"/>
         </a:defRPr>
       </a:lvl7pPr>
-      <a:lvl8pPr lvl="7" marR="0" rtl="0" algn="l">
+      <a:lvl8pPr marR="0" lvl="7" algn="l" rtl="0">
         <a:lnSpc>
           <a:spcPct val="100000"/>
         </a:lnSpc>
@@ -5387,7 +5587,7 @@
           <a:spcPts val="0"/>
         </a:spcAft>
         <a:buNone/>
-        <a:defRPr b="0" i="0" sz="1400" u="none" cap="none" strike="noStrike">
+        <a:defRPr sz="1400" b="0" i="0" u="none" strike="noStrike" cap="none">
           <a:solidFill>
             <a:srgbClr val="000000"/>
           </a:solidFill>
@@ -5397,7 +5597,7 @@
           <a:sym typeface="Arial"/>
         </a:defRPr>
       </a:lvl8pPr>
-      <a:lvl9pPr lvl="8" marR="0" rtl="0" algn="l">
+      <a:lvl9pPr marR="0" lvl="8" algn="l" rtl="0">
         <a:lnSpc>
           <a:spcPct val="100000"/>
         </a:lnSpc>
@@ -5408,7 +5608,7 @@
           <a:spcPts val="0"/>
         </a:spcAft>
         <a:buNone/>
-        <a:defRPr b="0" i="0" sz="1400" u="none" cap="none" strike="noStrike">
+        <a:defRPr sz="1400" b="0" i="0" u="none" strike="noStrike" cap="none">
           <a:solidFill>
             <a:srgbClr val="000000"/>
           </a:solidFill>
@@ -5424,11 +5624,11 @@
 </file>
 
 <file path=ppt/slides/slide1.xml><?xml version="1.0" encoding="utf-8"?>
-<p:sld xmlns:a="http://schemas.openxmlformats.org/drawingml/2006/main" xmlns:r="http://schemas.openxmlformats.org/officeDocument/2006/relationships" xmlns:mc="http://schemas.openxmlformats.org/markup-compatibility/2006" xmlns:mv="urn:schemas-microsoft-com:mac:vml" xmlns:p="http://schemas.openxmlformats.org/presentationml/2006/main" xmlns:c="http://schemas.openxmlformats.org/drawingml/2006/chart" xmlns:dgm="http://schemas.openxmlformats.org/drawingml/2006/diagram" xmlns:o="urn:schemas-microsoft-com:office:office" xmlns:v="urn:schemas-microsoft-com:vml" xmlns:pvml="urn:schemas-microsoft-com:office:powerpoint" xmlns:com="http://schemas.openxmlformats.org/drawingml/2006/compatibility" xmlns:p14="http://schemas.microsoft.com/office/powerpoint/2010/main">
+<p:sld xmlns:a="http://schemas.openxmlformats.org/drawingml/2006/main" xmlns:r="http://schemas.openxmlformats.org/officeDocument/2006/relationships" xmlns:p="http://schemas.openxmlformats.org/presentationml/2006/main">
   <p:cSld>
     <p:spTree>
       <p:nvGrpSpPr>
-        <p:cNvPr id="71" name="Shape 71"/>
+        <p:cNvPr id="1" name="Shape 71"/>
         <p:cNvGrpSpPr/>
         <p:nvPr/>
       </p:nvGrpSpPr>
@@ -5443,7 +5643,9 @@
       <p:sp>
         <p:nvSpPr>
           <p:cNvPr id="72" name="Shape 72"/>
-          <p:cNvSpPr txBox="1"/>
+          <p:cNvSpPr txBox="1">
+            <a:spLocks noGrp="1"/>
+          </p:cNvSpPr>
           <p:nvPr>
             <p:ph type="ctrTitle"/>
           </p:nvPr>
@@ -5458,7 +5660,7 @@
           </a:prstGeom>
         </p:spPr>
         <p:txBody>
-          <a:bodyPr anchorCtr="0" anchor="t" bIns="91425" lIns="91425" rIns="91425" tIns="91425">
+          <a:bodyPr lIns="91425" tIns="91425" rIns="91425" bIns="91425" anchor="t" anchorCtr="0">
             <a:noAutofit/>
           </a:bodyPr>
           <a:lstStyle/>
@@ -5491,9 +5693,11 @@
       <p:sp>
         <p:nvSpPr>
           <p:cNvPr id="73" name="Shape 73"/>
-          <p:cNvSpPr txBox="1"/>
+          <p:cNvSpPr txBox="1">
+            <a:spLocks noGrp="1"/>
+          </p:cNvSpPr>
           <p:nvPr>
-            <p:ph idx="1" type="subTitle"/>
+            <p:ph type="subTitle" idx="1"/>
           </p:nvPr>
         </p:nvSpPr>
         <p:spPr>
@@ -5506,7 +5710,7 @@
           </a:prstGeom>
         </p:spPr>
         <p:txBody>
-          <a:bodyPr anchorCtr="0" anchor="b" bIns="91425" lIns="91425" rIns="91425" tIns="91425">
+          <a:bodyPr lIns="91425" tIns="91425" rIns="91425" bIns="91425" anchor="b" anchorCtr="0">
             <a:noAutofit/>
           </a:bodyPr>
           <a:lstStyle/>
@@ -5562,7 +5766,7 @@
       </p:sp>
       <p:pic>
         <p:nvPicPr>
-          <p:cNvPr descr="HorizontalPrimario Azul.png" id="74" name="Shape 74"/>
+          <p:cNvPr id="74" name="Shape 74" descr="HorizontalPrimario Azul.png"/>
           <p:cNvPicPr preferRelativeResize="0"/>
           <p:nvPr/>
         </p:nvPicPr>
@@ -5597,11 +5801,11 @@
 </file>
 
 <file path=ppt/slides/slide2.xml><?xml version="1.0" encoding="utf-8"?>
-<p:sld xmlns:a="http://schemas.openxmlformats.org/drawingml/2006/main" xmlns:r="http://schemas.openxmlformats.org/officeDocument/2006/relationships" xmlns:mc="http://schemas.openxmlformats.org/markup-compatibility/2006" xmlns:mv="urn:schemas-microsoft-com:mac:vml" xmlns:p="http://schemas.openxmlformats.org/presentationml/2006/main" xmlns:c="http://schemas.openxmlformats.org/drawingml/2006/chart" xmlns:dgm="http://schemas.openxmlformats.org/drawingml/2006/diagram" xmlns:o="urn:schemas-microsoft-com:office:office" xmlns:v="urn:schemas-microsoft-com:vml" xmlns:pvml="urn:schemas-microsoft-com:office:powerpoint" xmlns:com="http://schemas.openxmlformats.org/drawingml/2006/compatibility" xmlns:p14="http://schemas.microsoft.com/office/powerpoint/2010/main">
+<p:sld xmlns:a="http://schemas.openxmlformats.org/drawingml/2006/main" xmlns:r="http://schemas.openxmlformats.org/officeDocument/2006/relationships" xmlns:p="http://schemas.openxmlformats.org/presentationml/2006/main">
   <p:cSld>
     <p:spTree>
       <p:nvGrpSpPr>
-        <p:cNvPr id="78" name="Shape 78"/>
+        <p:cNvPr id="1" name="Shape 78"/>
         <p:cNvGrpSpPr/>
         <p:nvPr/>
       </p:nvGrpSpPr>
@@ -5616,7 +5820,9 @@
       <p:sp>
         <p:nvSpPr>
           <p:cNvPr id="79" name="Shape 79"/>
-          <p:cNvSpPr txBox="1"/>
+          <p:cNvSpPr txBox="1">
+            <a:spLocks noGrp="1"/>
+          </p:cNvSpPr>
           <p:nvPr>
             <p:ph type="title"/>
           </p:nvPr>
@@ -5631,7 +5837,7 @@
           </a:prstGeom>
         </p:spPr>
         <p:txBody>
-          <a:bodyPr anchorCtr="0" anchor="t" bIns="91425" lIns="91425" rIns="91425" tIns="91425">
+          <a:bodyPr lIns="91425" tIns="91425" rIns="91425" bIns="91425" anchor="t" anchorCtr="0">
             <a:noAutofit/>
           </a:bodyPr>
           <a:lstStyle/>
@@ -5652,9 +5858,11 @@
       <p:sp>
         <p:nvSpPr>
           <p:cNvPr id="80" name="Shape 80"/>
-          <p:cNvSpPr txBox="1"/>
+          <p:cNvSpPr txBox="1">
+            <a:spLocks noGrp="1"/>
+          </p:cNvSpPr>
           <p:nvPr>
-            <p:ph idx="1" type="body"/>
+            <p:ph type="body" idx="1"/>
           </p:nvPr>
         </p:nvSpPr>
         <p:spPr>
@@ -5667,7 +5875,7 @@
           </a:prstGeom>
         </p:spPr>
         <p:txBody>
-          <a:bodyPr anchorCtr="0" anchor="t" bIns="91425" lIns="91425" rIns="91425" tIns="91425">
+          <a:bodyPr lIns="91425" tIns="91425" rIns="91425" bIns="91425" anchor="t" anchorCtr="0">
             <a:noAutofit/>
           </a:bodyPr>
           <a:lstStyle/>
@@ -5680,11 +5888,7 @@
             </a:pPr>
             <a:r>
               <a:rPr lang="es"/>
-              <a:t>Actual</a:t>
-            </a:r>
-            <a:r>
-              <a:rPr lang="es"/>
-              <a:t>mente hay una falta de programas para el desarrollo de los infantes, que generen habilidades motrices y psicológicas. Es por eso que nosotros nos enfocamos en la creación de un videojuego que brinda una solución factible dirigido al sector de este problema.</a:t>
+              <a:t>Actualmente hay una falta de programas para el desarrollo de los infantes, que generen habilidades motrices y psicológicas. Es por eso que nosotros nos enfocamos en la creación de un videojuego que brinda una solución factible dirigido al sector de este problema.</a:t>
             </a:r>
           </a:p>
         </p:txBody>
@@ -5698,11 +5902,11 @@
 </file>
 
 <file path=ppt/slides/slide3.xml><?xml version="1.0" encoding="utf-8"?>
-<p:sld xmlns:a="http://schemas.openxmlformats.org/drawingml/2006/main" xmlns:r="http://schemas.openxmlformats.org/officeDocument/2006/relationships" xmlns:mc="http://schemas.openxmlformats.org/markup-compatibility/2006" xmlns:mv="urn:schemas-microsoft-com:mac:vml" xmlns:p="http://schemas.openxmlformats.org/presentationml/2006/main" xmlns:c="http://schemas.openxmlformats.org/drawingml/2006/chart" xmlns:dgm="http://schemas.openxmlformats.org/drawingml/2006/diagram" xmlns:o="urn:schemas-microsoft-com:office:office" xmlns:v="urn:schemas-microsoft-com:vml" xmlns:pvml="urn:schemas-microsoft-com:office:powerpoint" xmlns:com="http://schemas.openxmlformats.org/drawingml/2006/compatibility" xmlns:p14="http://schemas.microsoft.com/office/powerpoint/2010/main">
+<p:sld xmlns:a="http://schemas.openxmlformats.org/drawingml/2006/main" xmlns:r="http://schemas.openxmlformats.org/officeDocument/2006/relationships" xmlns:p="http://schemas.openxmlformats.org/presentationml/2006/main">
   <p:cSld>
     <p:spTree>
       <p:nvGrpSpPr>
-        <p:cNvPr id="84" name="Shape 84"/>
+        <p:cNvPr id="1" name="Shape 84"/>
         <p:cNvGrpSpPr/>
         <p:nvPr/>
       </p:nvGrpSpPr>
@@ -5717,7 +5921,9 @@
       <p:sp>
         <p:nvSpPr>
           <p:cNvPr id="85" name="Shape 85"/>
-          <p:cNvSpPr txBox="1"/>
+          <p:cNvSpPr txBox="1">
+            <a:spLocks noGrp="1"/>
+          </p:cNvSpPr>
           <p:nvPr>
             <p:ph type="title"/>
           </p:nvPr>
@@ -5732,7 +5938,7 @@
           </a:prstGeom>
         </p:spPr>
         <p:txBody>
-          <a:bodyPr anchorCtr="0" anchor="t" bIns="91425" lIns="91425" rIns="91425" tIns="91425">
+          <a:bodyPr lIns="91425" tIns="91425" rIns="91425" bIns="91425" anchor="t" anchorCtr="0">
             <a:noAutofit/>
           </a:bodyPr>
           <a:lstStyle/>
@@ -5753,9 +5959,11 @@
       <p:sp>
         <p:nvSpPr>
           <p:cNvPr id="86" name="Shape 86"/>
-          <p:cNvSpPr txBox="1"/>
+          <p:cNvSpPr txBox="1">
+            <a:spLocks noGrp="1"/>
+          </p:cNvSpPr>
           <p:nvPr>
-            <p:ph idx="1" type="body"/>
+            <p:ph type="body" idx="1"/>
           </p:nvPr>
         </p:nvSpPr>
         <p:spPr>
@@ -5768,7 +5976,7 @@
           </a:prstGeom>
         </p:spPr>
         <p:txBody>
-          <a:bodyPr anchorCtr="0" anchor="t" bIns="91425" lIns="91425" rIns="91425" tIns="91425">
+          <a:bodyPr lIns="91425" tIns="91425" rIns="91425" bIns="91425" anchor="t" anchorCtr="0">
             <a:noAutofit/>
           </a:bodyPr>
           <a:lstStyle/>
@@ -5781,23 +5989,7 @@
             </a:pPr>
             <a:r>
               <a:rPr lang="es"/>
-              <a:t>Nuestro objetivo es desarrollar un videojuego en el  que los niños puedan crear su propia música, en la cual se </a:t>
-            </a:r>
-            <a:r>
-              <a:rPr lang="es"/>
-              <a:t>implementan</a:t>
-            </a:r>
-            <a:r>
-              <a:rPr lang="es"/>
-              <a:t> </a:t>
-            </a:r>
-            <a:r>
-              <a:rPr lang="es"/>
-              <a:t>estructuras</a:t>
-            </a:r>
-            <a:r>
-              <a:rPr lang="es"/>
-              <a:t> de datos para que sea eficiente y tenga éxito nuestro programa. </a:t>
+              <a:t>Nuestro objetivo es desarrollar un videojuego en el  que los niños puedan crear su propia música, en la cual se implementan estructuras de datos para que sea eficiente y tenga éxito nuestro programa. </a:t>
             </a:r>
           </a:p>
         </p:txBody>
@@ -5811,11 +6003,11 @@
 </file>
 
 <file path=ppt/slides/slide4.xml><?xml version="1.0" encoding="utf-8"?>
-<p:sld xmlns:a="http://schemas.openxmlformats.org/drawingml/2006/main" xmlns:r="http://schemas.openxmlformats.org/officeDocument/2006/relationships" xmlns:mc="http://schemas.openxmlformats.org/markup-compatibility/2006" xmlns:mv="urn:schemas-microsoft-com:mac:vml" xmlns:p="http://schemas.openxmlformats.org/presentationml/2006/main" xmlns:c="http://schemas.openxmlformats.org/drawingml/2006/chart" xmlns:dgm="http://schemas.openxmlformats.org/drawingml/2006/diagram" xmlns:o="urn:schemas-microsoft-com:office:office" xmlns:v="urn:schemas-microsoft-com:vml" xmlns:pvml="urn:schemas-microsoft-com:office:powerpoint" xmlns:com="http://schemas.openxmlformats.org/drawingml/2006/compatibility" xmlns:p14="http://schemas.microsoft.com/office/powerpoint/2010/main">
+<p:sld xmlns:a="http://schemas.openxmlformats.org/drawingml/2006/main" xmlns:r="http://schemas.openxmlformats.org/officeDocument/2006/relationships" xmlns:p="http://schemas.openxmlformats.org/presentationml/2006/main">
   <p:cSld>
     <p:spTree>
       <p:nvGrpSpPr>
-        <p:cNvPr id="90" name="Shape 90"/>
+        <p:cNvPr id="1" name="Shape 90"/>
         <p:cNvGrpSpPr/>
         <p:nvPr/>
       </p:nvGrpSpPr>
@@ -5830,7 +6022,9 @@
       <p:sp>
         <p:nvSpPr>
           <p:cNvPr id="91" name="Shape 91"/>
-          <p:cNvSpPr txBox="1"/>
+          <p:cNvSpPr txBox="1">
+            <a:spLocks noGrp="1"/>
+          </p:cNvSpPr>
           <p:nvPr>
             <p:ph type="title"/>
           </p:nvPr>
@@ -5845,7 +6039,7 @@
           </a:prstGeom>
         </p:spPr>
         <p:txBody>
-          <a:bodyPr anchorCtr="0" anchor="t" bIns="91425" lIns="91425" rIns="91425" tIns="91425">
+          <a:bodyPr lIns="91425" tIns="91425" rIns="91425" bIns="91425" anchor="t" anchorCtr="0">
             <a:noAutofit/>
           </a:bodyPr>
           <a:lstStyle/>
@@ -5866,9 +6060,11 @@
       <p:sp>
         <p:nvSpPr>
           <p:cNvPr id="92" name="Shape 92"/>
-          <p:cNvSpPr txBox="1"/>
+          <p:cNvSpPr txBox="1">
+            <a:spLocks noGrp="1"/>
+          </p:cNvSpPr>
           <p:nvPr>
-            <p:ph idx="1" type="body"/>
+            <p:ph type="body" idx="1"/>
           </p:nvPr>
         </p:nvSpPr>
         <p:spPr>
@@ -5881,7 +6077,7 @@
           </a:prstGeom>
         </p:spPr>
         <p:txBody>
-          <a:bodyPr anchorCtr="0" anchor="t" bIns="91425" lIns="91425" rIns="91425" tIns="91425">
+          <a:bodyPr lIns="91425" tIns="91425" rIns="91425" bIns="91425" anchor="t" anchorCtr="0">
             <a:noAutofit/>
           </a:bodyPr>
           <a:lstStyle/>
@@ -5898,7 +6094,7 @@
             </a:r>
           </a:p>
           <a:p>
-            <a:pPr indent="-228600" lvl="0" marL="457200">
+            <a:pPr marL="457200" lvl="0" indent="-228600">
               <a:spcBef>
                 <a:spcPts val="0"/>
               </a:spcBef>
@@ -5915,9 +6111,6 @@
               </a:spcBef>
               <a:buNone/>
             </a:pPr>
-            <a:r>
-              <a:t/>
-            </a:r>
             <a:endParaRPr/>
           </a:p>
         </p:txBody>
@@ -5931,11 +6124,11 @@
 </file>
 
 <file path=ppt/slides/slide5.xml><?xml version="1.0" encoding="utf-8"?>
-<p:sld xmlns:a="http://schemas.openxmlformats.org/drawingml/2006/main" xmlns:r="http://schemas.openxmlformats.org/officeDocument/2006/relationships" xmlns:mc="http://schemas.openxmlformats.org/markup-compatibility/2006" xmlns:mv="urn:schemas-microsoft-com:mac:vml" xmlns:p="http://schemas.openxmlformats.org/presentationml/2006/main" xmlns:c="http://schemas.openxmlformats.org/drawingml/2006/chart" xmlns:dgm="http://schemas.openxmlformats.org/drawingml/2006/diagram" xmlns:o="urn:schemas-microsoft-com:office:office" xmlns:v="urn:schemas-microsoft-com:vml" xmlns:pvml="urn:schemas-microsoft-com:office:powerpoint" xmlns:com="http://schemas.openxmlformats.org/drawingml/2006/compatibility" xmlns:p14="http://schemas.microsoft.com/office/powerpoint/2010/main">
+<p:sld xmlns:a="http://schemas.openxmlformats.org/drawingml/2006/main" xmlns:r="http://schemas.openxmlformats.org/officeDocument/2006/relationships" xmlns:p="http://schemas.openxmlformats.org/presentationml/2006/main">
   <p:cSld>
     <p:spTree>
       <p:nvGrpSpPr>
-        <p:cNvPr id="96" name="Shape 96"/>
+        <p:cNvPr id="1" name="Shape 96"/>
         <p:cNvGrpSpPr/>
         <p:nvPr/>
       </p:nvGrpSpPr>
@@ -5950,7 +6143,9 @@
       <p:sp>
         <p:nvSpPr>
           <p:cNvPr id="97" name="Shape 97"/>
-          <p:cNvSpPr txBox="1"/>
+          <p:cNvSpPr txBox="1">
+            <a:spLocks noGrp="1"/>
+          </p:cNvSpPr>
           <p:nvPr>
             <p:ph type="title"/>
           </p:nvPr>
@@ -5965,7 +6160,7 @@
           </a:prstGeom>
         </p:spPr>
         <p:txBody>
-          <a:bodyPr anchorCtr="0" anchor="t" bIns="91425" lIns="91425" rIns="91425" tIns="91425">
+          <a:bodyPr lIns="91425" tIns="91425" rIns="91425" bIns="91425" anchor="t" anchorCtr="0">
             <a:noAutofit/>
           </a:bodyPr>
           <a:lstStyle/>
@@ -5986,9 +6181,11 @@
       <p:sp>
         <p:nvSpPr>
           <p:cNvPr id="98" name="Shape 98"/>
-          <p:cNvSpPr txBox="1"/>
+          <p:cNvSpPr txBox="1">
+            <a:spLocks noGrp="1"/>
+          </p:cNvSpPr>
           <p:nvPr>
-            <p:ph idx="1" type="body"/>
+            <p:ph type="body" idx="1"/>
           </p:nvPr>
         </p:nvSpPr>
         <p:spPr>
@@ -6001,12 +6198,12 @@
           </a:prstGeom>
         </p:spPr>
         <p:txBody>
-          <a:bodyPr anchorCtr="0" anchor="t" bIns="91425" lIns="91425" rIns="91425" tIns="91425">
+          <a:bodyPr lIns="91425" tIns="91425" rIns="91425" bIns="91425" anchor="t" anchorCtr="0">
             <a:noAutofit/>
           </a:bodyPr>
           <a:lstStyle/>
           <a:p>
-            <a:pPr indent="-228600" lvl="0" marL="457200">
+            <a:pPr marL="457200" lvl="0" indent="-228600">
               <a:spcBef>
                 <a:spcPts val="0"/>
               </a:spcBef>
@@ -6014,11 +6211,7 @@
             </a:pPr>
             <a:r>
               <a:rPr lang="es"/>
-              <a:t>El proyecto se encuentra en la primera</a:t>
-            </a:r>
-            <a:r>
-              <a:rPr lang="es"/>
-              <a:t> fase, implementando una LinkedList en donde se encuentra la información de los comandos a seguir por ejemplo, la secuencia de las notas musicales. </a:t>
+              <a:t>El proyecto se encuentra en la primera fase, implementando una LinkedList en donde se encuentra la información de los comandos a seguir por ejemplo, la secuencia de las notas musicales. </a:t>
             </a:r>
           </a:p>
         </p:txBody>
@@ -6032,11 +6225,11 @@
 </file>
 
 <file path=ppt/slides/slide6.xml><?xml version="1.0" encoding="utf-8"?>
-<p:sld xmlns:a="http://schemas.openxmlformats.org/drawingml/2006/main" xmlns:r="http://schemas.openxmlformats.org/officeDocument/2006/relationships" xmlns:mc="http://schemas.openxmlformats.org/markup-compatibility/2006" xmlns:mv="urn:schemas-microsoft-com:mac:vml" xmlns:p="http://schemas.openxmlformats.org/presentationml/2006/main" xmlns:c="http://schemas.openxmlformats.org/drawingml/2006/chart" xmlns:dgm="http://schemas.openxmlformats.org/drawingml/2006/diagram" xmlns:o="urn:schemas-microsoft-com:office:office" xmlns:v="urn:schemas-microsoft-com:vml" xmlns:pvml="urn:schemas-microsoft-com:office:powerpoint" xmlns:com="http://schemas.openxmlformats.org/drawingml/2006/compatibility" xmlns:p14="http://schemas.microsoft.com/office/powerpoint/2010/main">
+<p:sld xmlns:a="http://schemas.openxmlformats.org/drawingml/2006/main" xmlns:r="http://schemas.openxmlformats.org/officeDocument/2006/relationships" xmlns:p="http://schemas.openxmlformats.org/presentationml/2006/main">
   <p:cSld>
     <p:spTree>
       <p:nvGrpSpPr>
-        <p:cNvPr id="102" name="Shape 102"/>
+        <p:cNvPr id="1" name="Shape 102"/>
         <p:cNvGrpSpPr/>
         <p:nvPr/>
       </p:nvGrpSpPr>
@@ -6051,7 +6244,9 @@
       <p:sp>
         <p:nvSpPr>
           <p:cNvPr id="103" name="Shape 103"/>
-          <p:cNvSpPr txBox="1"/>
+          <p:cNvSpPr txBox="1">
+            <a:spLocks noGrp="1"/>
+          </p:cNvSpPr>
           <p:nvPr>
             <p:ph type="title"/>
           </p:nvPr>
@@ -6066,7 +6261,7 @@
           </a:prstGeom>
         </p:spPr>
         <p:txBody>
-          <a:bodyPr anchorCtr="0" anchor="t" bIns="91425" lIns="91425" rIns="91425" tIns="91425">
+          <a:bodyPr lIns="91425" tIns="91425" rIns="91425" bIns="91425" anchor="t" anchorCtr="0">
             <a:noAutofit/>
           </a:bodyPr>
           <a:lstStyle/>
@@ -6087,9 +6282,11 @@
       <p:sp>
         <p:nvSpPr>
           <p:cNvPr id="104" name="Shape 104"/>
-          <p:cNvSpPr txBox="1"/>
+          <p:cNvSpPr txBox="1">
+            <a:spLocks noGrp="1"/>
+          </p:cNvSpPr>
           <p:nvPr>
-            <p:ph idx="1" type="body"/>
+            <p:ph type="body" idx="1"/>
           </p:nvPr>
         </p:nvSpPr>
         <p:spPr>
@@ -6102,12 +6299,12 @@
           </a:prstGeom>
         </p:spPr>
         <p:txBody>
-          <a:bodyPr anchorCtr="0" anchor="t" bIns="91425" lIns="91425" rIns="91425" tIns="91425">
+          <a:bodyPr lIns="91425" tIns="91425" rIns="91425" bIns="91425" anchor="t" anchorCtr="0">
             <a:noAutofit/>
           </a:bodyPr>
           <a:lstStyle/>
           <a:p>
-            <a:pPr indent="-228600" lvl="0" marL="457200" rtl="0">
+            <a:pPr marL="457200" lvl="0" indent="-228600" rtl="0">
               <a:spcBef>
                 <a:spcPts val="0"/>
               </a:spcBef>
@@ -6119,7 +6316,7 @@
             </a:r>
           </a:p>
           <a:p>
-            <a:pPr indent="-228600" lvl="0" marL="457200" rtl="0">
+            <a:pPr marL="457200" lvl="0" indent="-228600" rtl="0">
               <a:spcBef>
                 <a:spcPts val="0"/>
               </a:spcBef>
@@ -6131,7 +6328,7 @@
             </a:r>
           </a:p>
           <a:p>
-            <a:pPr indent="-228600" lvl="1" marL="914400" rtl="0">
+            <a:pPr marL="914400" lvl="1" indent="-228600" rtl="0">
               <a:spcBef>
                 <a:spcPts val="0"/>
               </a:spcBef>
@@ -6139,27 +6336,16 @@
             </a:pPr>
             <a:r>
               <a:rPr lang="es"/>
-              <a:t>modo creación (el jugador puede crear </a:t>
-            </a:r>
-            <a:r>
-              <a:rPr lang="es"/>
-              <a:t>su propia melodía</a:t>
-            </a:r>
-            <a:r>
-              <a:rPr lang="es"/>
-              <a:t>)</a:t>
+              <a:t>modo creación (el jugador puede crear su propia melodía)</a:t>
             </a:r>
           </a:p>
           <a:p>
-            <a:pPr indent="0" lvl="0" marL="457200" rtl="0">
+            <a:pPr marL="457200" lvl="0" indent="0" rtl="0">
               <a:spcBef>
                 <a:spcPts val="0"/>
               </a:spcBef>
               <a:buNone/>
             </a:pPr>
-            <a:r>
-              <a:t/>
-            </a:r>
             <a:endParaRPr/>
           </a:p>
         </p:txBody>
@@ -6173,108 +6359,11 @@
 </file>
 
 <file path=ppt/slides/slide7.xml><?xml version="1.0" encoding="utf-8"?>
-<p:sld xmlns:a="http://schemas.openxmlformats.org/drawingml/2006/main" xmlns:r="http://schemas.openxmlformats.org/officeDocument/2006/relationships" xmlns:mc="http://schemas.openxmlformats.org/markup-compatibility/2006" xmlns:mv="urn:schemas-microsoft-com:mac:vml" xmlns:p="http://schemas.openxmlformats.org/presentationml/2006/main" xmlns:c="http://schemas.openxmlformats.org/drawingml/2006/chart" xmlns:dgm="http://schemas.openxmlformats.org/drawingml/2006/diagram" xmlns:o="urn:schemas-microsoft-com:office:office" xmlns:v="urn:schemas-microsoft-com:vml" xmlns:pvml="urn:schemas-microsoft-com:office:powerpoint" xmlns:com="http://schemas.openxmlformats.org/drawingml/2006/compatibility" xmlns:p14="http://schemas.microsoft.com/office/powerpoint/2010/main">
+<p:sld xmlns:a="http://schemas.openxmlformats.org/drawingml/2006/main" xmlns:r="http://schemas.openxmlformats.org/officeDocument/2006/relationships" xmlns:p="http://schemas.openxmlformats.org/presentationml/2006/main">
   <p:cSld>
     <p:spTree>
       <p:nvGrpSpPr>
-        <p:cNvPr id="108" name="Shape 108"/>
-        <p:cNvGrpSpPr/>
-        <p:nvPr/>
-      </p:nvGrpSpPr>
-      <p:grpSpPr>
-        <a:xfrm>
-          <a:off x="0" y="0"/>
-          <a:ext cx="0" cy="0"/>
-          <a:chOff x="0" y="0"/>
-          <a:chExt cx="0" cy="0"/>
-        </a:xfrm>
-      </p:grpSpPr>
-      <p:sp>
-        <p:nvSpPr>
-          <p:cNvPr id="109" name="Shape 109"/>
-          <p:cNvSpPr txBox="1"/>
-          <p:nvPr>
-            <p:ph type="title"/>
-          </p:nvPr>
-        </p:nvSpPr>
-        <p:spPr>
-          <a:xfrm>
-            <a:off x="2400250" y="575950"/>
-            <a:ext cx="6321600" cy="635400"/>
-          </a:xfrm>
-          <a:prstGeom prst="rect">
-            <a:avLst/>
-          </a:prstGeom>
-        </p:spPr>
-        <p:txBody>
-          <a:bodyPr anchorCtr="0" anchor="t" bIns="91425" lIns="91425" rIns="91425" tIns="91425">
-            <a:noAutofit/>
-          </a:bodyPr>
-          <a:lstStyle/>
-          <a:p>
-            <a:pPr lvl="0">
-              <a:spcBef>
-                <a:spcPts val="0"/>
-              </a:spcBef>
-              <a:buNone/>
-            </a:pPr>
-            <a:r>
-              <a:rPr lang="es"/>
-              <a:t>Un poco de código (Screen)</a:t>
-            </a:r>
-          </a:p>
-        </p:txBody>
-      </p:sp>
-      <p:sp>
-        <p:nvSpPr>
-          <p:cNvPr id="110" name="Shape 110"/>
-          <p:cNvSpPr txBox="1"/>
-          <p:nvPr>
-            <p:ph idx="1" type="body"/>
-          </p:nvPr>
-        </p:nvSpPr>
-        <p:spPr>
-          <a:xfrm>
-            <a:off x="2410112" y="1595775"/>
-            <a:ext cx="6321600" cy="3002399"/>
-          </a:xfrm>
-          <a:prstGeom prst="rect">
-            <a:avLst/>
-          </a:prstGeom>
-        </p:spPr>
-        <p:txBody>
-          <a:bodyPr anchorCtr="0" anchor="t" bIns="91425" lIns="91425" rIns="91425" tIns="91425">
-            <a:noAutofit/>
-          </a:bodyPr>
-          <a:lstStyle/>
-          <a:p>
-            <a:pPr lvl="0">
-              <a:spcBef>
-                <a:spcPts val="0"/>
-              </a:spcBef>
-              <a:buNone/>
-            </a:pPr>
-            <a:r>
-              <a:t/>
-            </a:r>
-            <a:endParaRPr/>
-          </a:p>
-        </p:txBody>
-      </p:sp>
-    </p:spTree>
-  </p:cSld>
-  <p:clrMapOvr>
-    <a:masterClrMapping/>
-  </p:clrMapOvr>
-</p:sld>
-</file>
-
-<file path=ppt/slides/slide8.xml><?xml version="1.0" encoding="utf-8"?>
-<p:sld xmlns:a="http://schemas.openxmlformats.org/drawingml/2006/main" xmlns:r="http://schemas.openxmlformats.org/officeDocument/2006/relationships" xmlns:mc="http://schemas.openxmlformats.org/markup-compatibility/2006" xmlns:mv="urn:schemas-microsoft-com:mac:vml" xmlns:p="http://schemas.openxmlformats.org/presentationml/2006/main" xmlns:c="http://schemas.openxmlformats.org/drawingml/2006/chart" xmlns:dgm="http://schemas.openxmlformats.org/drawingml/2006/diagram" xmlns:o="urn:schemas-microsoft-com:office:office" xmlns:v="urn:schemas-microsoft-com:vml" xmlns:pvml="urn:schemas-microsoft-com:office:powerpoint" xmlns:com="http://schemas.openxmlformats.org/drawingml/2006/compatibility" xmlns:p14="http://schemas.microsoft.com/office/powerpoint/2010/main">
-  <p:cSld>
-    <p:spTree>
-      <p:nvGrpSpPr>
-        <p:cNvPr id="114" name="Shape 114"/>
+        <p:cNvPr id="1" name="Shape 114"/>
         <p:cNvGrpSpPr/>
         <p:nvPr/>
       </p:nvGrpSpPr>
@@ -6289,7 +6378,9 @@
       <p:sp>
         <p:nvSpPr>
           <p:cNvPr id="115" name="Shape 115"/>
-          <p:cNvSpPr txBox="1"/>
+          <p:cNvSpPr txBox="1">
+            <a:spLocks noGrp="1"/>
+          </p:cNvSpPr>
           <p:nvPr>
             <p:ph type="title"/>
           </p:nvPr>
@@ -6304,7 +6395,7 @@
           </a:prstGeom>
         </p:spPr>
         <p:txBody>
-          <a:bodyPr anchorCtr="0" anchor="t" bIns="91425" lIns="91425" rIns="91425" tIns="91425">
+          <a:bodyPr lIns="91425" tIns="91425" rIns="91425" bIns="91425" anchor="t" anchorCtr="0">
             <a:noAutofit/>
           </a:bodyPr>
           <a:lstStyle/>
@@ -6325,9 +6416,11 @@
       <p:sp>
         <p:nvSpPr>
           <p:cNvPr id="116" name="Shape 116"/>
-          <p:cNvSpPr txBox="1"/>
+          <p:cNvSpPr txBox="1">
+            <a:spLocks noGrp="1"/>
+          </p:cNvSpPr>
           <p:nvPr>
-            <p:ph idx="1" type="body"/>
+            <p:ph type="body" idx="1"/>
           </p:nvPr>
         </p:nvSpPr>
         <p:spPr>
@@ -6340,21 +6433,17 @@
           </a:prstGeom>
         </p:spPr>
         <p:txBody>
-          <a:bodyPr anchorCtr="0" anchor="t" bIns="91425" lIns="91425" rIns="91425" tIns="91425">
+          <a:bodyPr lIns="91425" tIns="91425" rIns="91425" bIns="91425" anchor="t" anchorCtr="0">
             <a:noAutofit/>
           </a:bodyPr>
           <a:lstStyle/>
           <a:p>
-            <a:pPr lvl="0">
-              <a:spcBef>
-                <a:spcPts val="0"/>
-              </a:spcBef>
-              <a:buNone/>
-            </a:pPr>
+            <a:pPr lvl="0"/>
             <a:r>
-              <a:t/>
+              <a:rPr lang="es-MX" dirty="0"/>
+              <a:t>https://github.com/mariocr94/EstructuraDatos</a:t>
             </a:r>
-            <a:endParaRPr/>
+            <a:endParaRPr dirty="0"/>
           </a:p>
         </p:txBody>
       </p:sp>
@@ -6367,7 +6456,7 @@
 </file>
 
 <file path=ppt/theme/theme1.xml><?xml version="1.0" encoding="utf-8"?>
-<a:theme xmlns:a="http://schemas.openxmlformats.org/drawingml/2006/main" xmlns:r="http://schemas.openxmlformats.org/officeDocument/2006/relationships" name="swiss-2">
+<a:theme xmlns:a="http://schemas.openxmlformats.org/drawingml/2006/main" name="swiss-2">
   <a:themeElements>
     <a:clrScheme name="Swiss">
       <a:dk1>
@@ -6642,11 +6731,13 @@
       </a:bgFillStyleLst>
     </a:fmtScheme>
   </a:themeElements>
+  <a:objectDefaults/>
+  <a:extraClrSchemeLst/>
 </a:theme>
 </file>
 
 <file path=ppt/theme/theme2.xml><?xml version="1.0" encoding="utf-8"?>
-<a:theme xmlns:a="http://schemas.openxmlformats.org/drawingml/2006/main" xmlns:r="http://schemas.openxmlformats.org/officeDocument/2006/relationships" name="Custom Theme">
+<a:theme xmlns:a="http://schemas.openxmlformats.org/drawingml/2006/main" name="Custom Theme">
   <a:themeElements>
     <a:clrScheme name="Default">
       <a:dk1>
@@ -6921,5 +7012,7 @@
       </a:bgFillStyleLst>
     </a:fmtScheme>
   </a:themeElements>
+  <a:objectDefaults/>
+  <a:extraClrSchemeLst/>
 </a:theme>
 </file>